--- a/nsc/poster.pptx
+++ b/nsc/poster.pptx
@@ -112,6 +112,2854 @@
 </p:presentation>
 </file>
 
+<file path=ppt/charts/chart1.xml><?xml version="1.0" encoding="utf-8"?>
+<c:chartSpace xmlns:c="http://schemas.openxmlformats.org/drawingml/2006/chart" xmlns:a="http://schemas.openxmlformats.org/drawingml/2006/main" xmlns:r="http://schemas.openxmlformats.org/officeDocument/2006/relationships" xmlns:c16r2="http://schemas.microsoft.com/office/drawing/2015/06/chart">
+  <c:date1904 val="0"/>
+  <c:lang val="en-US"/>
+  <c:roundedCorners val="0"/>
+  <mc:AlternateContent xmlns:mc="http://schemas.openxmlformats.org/markup-compatibility/2006">
+    <mc:Choice xmlns:c14="http://schemas.microsoft.com/office/drawing/2007/8/2/chart" Requires="c14">
+      <c14:style val="102"/>
+    </mc:Choice>
+    <mc:Fallback>
+      <c:style val="2"/>
+    </mc:Fallback>
+  </mc:AlternateContent>
+  <c:chart>
+    <c:title>
+      <c:tx>
+        <c:rich>
+          <a:bodyPr rot="0" spcFirstLastPara="1" vertOverflow="ellipsis" vert="horz" wrap="square" anchor="ctr" anchorCtr="1"/>
+          <a:lstStyle/>
+          <a:p>
+            <a:pPr>
+              <a:defRPr sz="1400" b="0" i="0" u="none" strike="noStrike" kern="1200" spc="0" baseline="0">
+                <a:solidFill>
+                  <a:schemeClr val="tx1">
+                    <a:lumMod val="65000"/>
+                    <a:lumOff val="35000"/>
+                  </a:schemeClr>
+                </a:solidFill>
+                <a:latin typeface="+mn-lt"/>
+                <a:ea typeface="+mn-ea"/>
+                <a:cs typeface="+mn-cs"/>
+              </a:defRPr>
+            </a:pPr>
+            <a:r>
+              <a:rPr lang="en-US" sz="1400" b="0" i="0" u="none" strike="noStrike" baseline="0">
+                <a:effectLst/>
+              </a:rPr>
+              <a:t>KNeighborsClassifier by  </a:t>
+            </a:r>
+            <a:r>
+              <a:rPr lang="en-US"/>
+              <a:t>mean</a:t>
+            </a:r>
+          </a:p>
+        </c:rich>
+      </c:tx>
+      <c:overlay val="0"/>
+      <c:spPr>
+        <a:noFill/>
+        <a:ln>
+          <a:noFill/>
+        </a:ln>
+        <a:effectLst/>
+      </c:spPr>
+      <c:txPr>
+        <a:bodyPr rot="0" spcFirstLastPara="1" vertOverflow="ellipsis" vert="horz" wrap="square" anchor="ctr" anchorCtr="1"/>
+        <a:lstStyle/>
+        <a:p>
+          <a:pPr>
+            <a:defRPr sz="1400" b="0" i="0" u="none" strike="noStrike" kern="1200" spc="0" baseline="0">
+              <a:solidFill>
+                <a:schemeClr val="tx1">
+                  <a:lumMod val="65000"/>
+                  <a:lumOff val="35000"/>
+                </a:schemeClr>
+              </a:solidFill>
+              <a:latin typeface="+mn-lt"/>
+              <a:ea typeface="+mn-ea"/>
+              <a:cs typeface="+mn-cs"/>
+            </a:defRPr>
+          </a:pPr>
+          <a:endParaRPr lang="en-US"/>
+        </a:p>
+      </c:txPr>
+    </c:title>
+    <c:autoTitleDeleted val="0"/>
+    <c:plotArea>
+      <c:layout/>
+      <c:barChart>
+        <c:barDir val="col"/>
+        <c:grouping val="clustered"/>
+        <c:varyColors val="0"/>
+        <c:ser>
+          <c:idx val="0"/>
+          <c:order val="0"/>
+          <c:tx>
+            <c:strRef>
+              <c:f>[graph.xlsx]KNeighborsClassifier!$A$7</c:f>
+              <c:strCache>
+                <c:ptCount val="1"/>
+                <c:pt idx="0">
+                  <c:v>mean</c:v>
+                </c:pt>
+              </c:strCache>
+            </c:strRef>
+          </c:tx>
+          <c:spPr>
+            <a:solidFill>
+              <a:schemeClr val="accent1"/>
+            </a:solidFill>
+            <a:ln>
+              <a:noFill/>
+            </a:ln>
+            <a:effectLst/>
+          </c:spPr>
+          <c:invertIfNegative val="0"/>
+          <c:val>
+            <c:numRef>
+              <c:f>[graph.xlsx]KNeighborsClassifier!$B$7:$G$7</c:f>
+              <c:numCache>
+                <c:formatCode>General</c:formatCode>
+                <c:ptCount val="6"/>
+                <c:pt idx="0">
+                  <c:v>0.94006517141926904</c:v>
+                </c:pt>
+                <c:pt idx="1">
+                  <c:v>0.88713096321377805</c:v>
+                </c:pt>
+                <c:pt idx="2">
+                  <c:v>0.87465390102745566</c:v>
+                </c:pt>
+                <c:pt idx="3">
+                  <c:v>0.88292936855761661</c:v>
+                </c:pt>
+                <c:pt idx="4">
+                  <c:v>0.87360440942582152</c:v>
+                </c:pt>
+                <c:pt idx="5">
+                  <c:v>0.85520836955191726</c:v>
+                </c:pt>
+              </c:numCache>
+            </c:numRef>
+          </c:val>
+          <c:extLst>
+            <c:ext xmlns:c16="http://schemas.microsoft.com/office/drawing/2014/chart" uri="{C3380CC4-5D6E-409C-BE32-E72D297353CC}">
+              <c16:uniqueId val="{00000000-15F3-44AB-8583-A8624D323012}"/>
+            </c:ext>
+          </c:extLst>
+        </c:ser>
+        <c:dLbls>
+          <c:showLegendKey val="0"/>
+          <c:showVal val="0"/>
+          <c:showCatName val="0"/>
+          <c:showSerName val="0"/>
+          <c:showPercent val="0"/>
+          <c:showBubbleSize val="0"/>
+        </c:dLbls>
+        <c:gapWidth val="219"/>
+        <c:overlap val="-27"/>
+        <c:axId val="109184992"/>
+        <c:axId val="109185552"/>
+      </c:barChart>
+      <c:catAx>
+        <c:axId val="109184992"/>
+        <c:scaling>
+          <c:orientation val="minMax"/>
+        </c:scaling>
+        <c:delete val="0"/>
+        <c:axPos val="b"/>
+        <c:numFmt formatCode="General" sourceLinked="1"/>
+        <c:majorTickMark val="none"/>
+        <c:minorTickMark val="none"/>
+        <c:tickLblPos val="nextTo"/>
+        <c:spPr>
+          <a:noFill/>
+          <a:ln w="9525" cap="flat" cmpd="sng" algn="ctr">
+            <a:solidFill>
+              <a:schemeClr val="tx1">
+                <a:lumMod val="15000"/>
+                <a:lumOff val="85000"/>
+              </a:schemeClr>
+            </a:solidFill>
+            <a:round/>
+          </a:ln>
+          <a:effectLst/>
+        </c:spPr>
+        <c:txPr>
+          <a:bodyPr rot="-60000000" spcFirstLastPara="1" vertOverflow="ellipsis" vert="horz" wrap="square" anchor="ctr" anchorCtr="1"/>
+          <a:lstStyle/>
+          <a:p>
+            <a:pPr>
+              <a:defRPr sz="900" b="0" i="0" u="none" strike="noStrike" kern="1200" baseline="0">
+                <a:solidFill>
+                  <a:schemeClr val="tx1">
+                    <a:lumMod val="65000"/>
+                    <a:lumOff val="35000"/>
+                  </a:schemeClr>
+                </a:solidFill>
+                <a:latin typeface="+mn-lt"/>
+                <a:ea typeface="+mn-ea"/>
+                <a:cs typeface="+mn-cs"/>
+              </a:defRPr>
+            </a:pPr>
+            <a:endParaRPr lang="en-US"/>
+          </a:p>
+        </c:txPr>
+        <c:crossAx val="109185552"/>
+        <c:crosses val="autoZero"/>
+        <c:auto val="1"/>
+        <c:lblAlgn val="ctr"/>
+        <c:lblOffset val="100"/>
+        <c:noMultiLvlLbl val="0"/>
+      </c:catAx>
+      <c:valAx>
+        <c:axId val="109185552"/>
+        <c:scaling>
+          <c:orientation val="minMax"/>
+        </c:scaling>
+        <c:delete val="0"/>
+        <c:axPos val="l"/>
+        <c:majorGridlines>
+          <c:spPr>
+            <a:ln w="9525" cap="flat" cmpd="sng" algn="ctr">
+              <a:solidFill>
+                <a:schemeClr val="tx1">
+                  <a:lumMod val="15000"/>
+                  <a:lumOff val="85000"/>
+                </a:schemeClr>
+              </a:solidFill>
+              <a:round/>
+            </a:ln>
+            <a:effectLst/>
+          </c:spPr>
+        </c:majorGridlines>
+        <c:numFmt formatCode="General" sourceLinked="1"/>
+        <c:majorTickMark val="none"/>
+        <c:minorTickMark val="none"/>
+        <c:tickLblPos val="nextTo"/>
+        <c:spPr>
+          <a:noFill/>
+          <a:ln>
+            <a:noFill/>
+          </a:ln>
+          <a:effectLst/>
+        </c:spPr>
+        <c:txPr>
+          <a:bodyPr rot="-60000000" spcFirstLastPara="1" vertOverflow="ellipsis" vert="horz" wrap="square" anchor="ctr" anchorCtr="1"/>
+          <a:lstStyle/>
+          <a:p>
+            <a:pPr>
+              <a:defRPr sz="900" b="0" i="0" u="none" strike="noStrike" kern="1200" baseline="0">
+                <a:solidFill>
+                  <a:schemeClr val="tx1">
+                    <a:lumMod val="65000"/>
+                    <a:lumOff val="35000"/>
+                  </a:schemeClr>
+                </a:solidFill>
+                <a:latin typeface="+mn-lt"/>
+                <a:ea typeface="+mn-ea"/>
+                <a:cs typeface="+mn-cs"/>
+              </a:defRPr>
+            </a:pPr>
+            <a:endParaRPr lang="en-US"/>
+          </a:p>
+        </c:txPr>
+        <c:crossAx val="109184992"/>
+        <c:crosses val="autoZero"/>
+        <c:crossBetween val="between"/>
+      </c:valAx>
+      <c:spPr>
+        <a:noFill/>
+        <a:ln>
+          <a:noFill/>
+        </a:ln>
+        <a:effectLst/>
+      </c:spPr>
+    </c:plotArea>
+    <c:plotVisOnly val="1"/>
+    <c:dispBlanksAs val="gap"/>
+    <c:showDLblsOverMax val="0"/>
+  </c:chart>
+  <c:spPr>
+    <a:noFill/>
+    <a:ln>
+      <a:noFill/>
+    </a:ln>
+    <a:effectLst/>
+  </c:spPr>
+  <c:txPr>
+    <a:bodyPr/>
+    <a:lstStyle/>
+    <a:p>
+      <a:pPr>
+        <a:defRPr/>
+      </a:pPr>
+      <a:endParaRPr lang="en-US"/>
+    </a:p>
+  </c:txPr>
+  <c:externalData r:id="rId3">
+    <c:autoUpdate val="0"/>
+  </c:externalData>
+</c:chartSpace>
+</file>
+
+<file path=ppt/charts/chart2.xml><?xml version="1.0" encoding="utf-8"?>
+<c:chartSpace xmlns:c="http://schemas.openxmlformats.org/drawingml/2006/chart" xmlns:a="http://schemas.openxmlformats.org/drawingml/2006/main" xmlns:r="http://schemas.openxmlformats.org/officeDocument/2006/relationships" xmlns:c16r2="http://schemas.microsoft.com/office/drawing/2015/06/chart">
+  <c:date1904 val="0"/>
+  <c:lang val="en-US"/>
+  <c:roundedCorners val="0"/>
+  <mc:AlternateContent xmlns:mc="http://schemas.openxmlformats.org/markup-compatibility/2006">
+    <mc:Choice xmlns:c14="http://schemas.microsoft.com/office/drawing/2007/8/2/chart" Requires="c14">
+      <c14:style val="102"/>
+    </mc:Choice>
+    <mc:Fallback>
+      <c:style val="2"/>
+    </mc:Fallback>
+  </mc:AlternateContent>
+  <c:chart>
+    <c:title>
+      <c:tx>
+        <c:rich>
+          <a:bodyPr rot="0" spcFirstLastPara="1" vertOverflow="ellipsis" vert="horz" wrap="square" anchor="ctr" anchorCtr="1"/>
+          <a:lstStyle/>
+          <a:p>
+            <a:pPr>
+              <a:defRPr sz="1400" b="0" i="0" u="none" strike="noStrike" kern="1200" spc="0" baseline="0">
+                <a:solidFill>
+                  <a:schemeClr val="tx1">
+                    <a:lumMod val="65000"/>
+                    <a:lumOff val="35000"/>
+                  </a:schemeClr>
+                </a:solidFill>
+                <a:latin typeface="+mn-lt"/>
+                <a:ea typeface="+mn-ea"/>
+                <a:cs typeface="+mn-cs"/>
+              </a:defRPr>
+            </a:pPr>
+            <a:r>
+              <a:rPr lang="en-US" sz="1400" b="0" i="0" u="none" strike="noStrike" baseline="0">
+                <a:effectLst/>
+              </a:rPr>
+              <a:t>SGDClassifier by </a:t>
+            </a:r>
+            <a:r>
+              <a:rPr lang="en-US"/>
+              <a:t>mean</a:t>
+            </a:r>
+          </a:p>
+        </c:rich>
+      </c:tx>
+      <c:overlay val="0"/>
+      <c:spPr>
+        <a:noFill/>
+        <a:ln>
+          <a:noFill/>
+        </a:ln>
+        <a:effectLst/>
+      </c:spPr>
+      <c:txPr>
+        <a:bodyPr rot="0" spcFirstLastPara="1" vertOverflow="ellipsis" vert="horz" wrap="square" anchor="ctr" anchorCtr="1"/>
+        <a:lstStyle/>
+        <a:p>
+          <a:pPr>
+            <a:defRPr sz="1400" b="0" i="0" u="none" strike="noStrike" kern="1200" spc="0" baseline="0">
+              <a:solidFill>
+                <a:schemeClr val="tx1">
+                  <a:lumMod val="65000"/>
+                  <a:lumOff val="35000"/>
+                </a:schemeClr>
+              </a:solidFill>
+              <a:latin typeface="+mn-lt"/>
+              <a:ea typeface="+mn-ea"/>
+              <a:cs typeface="+mn-cs"/>
+            </a:defRPr>
+          </a:pPr>
+          <a:endParaRPr lang="en-US"/>
+        </a:p>
+      </c:txPr>
+    </c:title>
+    <c:autoTitleDeleted val="0"/>
+    <c:plotArea>
+      <c:layout/>
+      <c:barChart>
+        <c:barDir val="col"/>
+        <c:grouping val="clustered"/>
+        <c:varyColors val="0"/>
+        <c:ser>
+          <c:idx val="0"/>
+          <c:order val="0"/>
+          <c:tx>
+            <c:strRef>
+              <c:f>SGDClassifier!$A$7</c:f>
+              <c:strCache>
+                <c:ptCount val="1"/>
+                <c:pt idx="0">
+                  <c:v>mean</c:v>
+                </c:pt>
+              </c:strCache>
+            </c:strRef>
+          </c:tx>
+          <c:spPr>
+            <a:solidFill>
+              <a:schemeClr val="accent1"/>
+            </a:solidFill>
+            <a:ln>
+              <a:noFill/>
+            </a:ln>
+            <a:effectLst/>
+          </c:spPr>
+          <c:invertIfNegative val="0"/>
+          <c:cat>
+            <c:strRef>
+              <c:f>SGDClassifier!$B$1:$I$1</c:f>
+              <c:strCache>
+                <c:ptCount val="5"/>
+                <c:pt idx="0">
+                  <c:v>1.00E-04</c:v>
+                </c:pt>
+                <c:pt idx="1">
+                  <c:v>1.00E-03</c:v>
+                </c:pt>
+                <c:pt idx="2">
+                  <c:v>1.00E-02</c:v>
+                </c:pt>
+                <c:pt idx="3">
+                  <c:v>1.00E-01</c:v>
+                </c:pt>
+                <c:pt idx="4">
+                  <c:v>1.00E+00</c:v>
+                </c:pt>
+              </c:strCache>
+              <c:extLst/>
+            </c:strRef>
+          </c:cat>
+          <c:val>
+            <c:numRef>
+              <c:f>SGDClassifier!$B$7:$I$7</c:f>
+              <c:numCache>
+                <c:formatCode>General</c:formatCode>
+                <c:ptCount val="5"/>
+                <c:pt idx="0">
+                  <c:v>0.97846412533909943</c:v>
+                </c:pt>
+                <c:pt idx="1">
+                  <c:v>0.97757148197375443</c:v>
+                </c:pt>
+                <c:pt idx="2">
+                  <c:v>0.97756645519313046</c:v>
+                </c:pt>
+                <c:pt idx="3">
+                  <c:v>0.9500792693195439</c:v>
+                </c:pt>
+                <c:pt idx="4">
+                  <c:v>0.88127894542496232</c:v>
+                </c:pt>
+              </c:numCache>
+              <c:extLst/>
+            </c:numRef>
+          </c:val>
+          <c:extLst>
+            <c:ext xmlns:c16="http://schemas.microsoft.com/office/drawing/2014/chart" uri="{C3380CC4-5D6E-409C-BE32-E72D297353CC}">
+              <c16:uniqueId val="{00000000-DE2E-4ACD-9F97-2651AACF50E4}"/>
+            </c:ext>
+          </c:extLst>
+        </c:ser>
+        <c:dLbls>
+          <c:showLegendKey val="0"/>
+          <c:showVal val="0"/>
+          <c:showCatName val="0"/>
+          <c:showSerName val="0"/>
+          <c:showPercent val="0"/>
+          <c:showBubbleSize val="0"/>
+        </c:dLbls>
+        <c:gapWidth val="219"/>
+        <c:overlap val="-27"/>
+        <c:axId val="109187792"/>
+        <c:axId val="109188352"/>
+      </c:barChart>
+      <c:catAx>
+        <c:axId val="109187792"/>
+        <c:scaling>
+          <c:orientation val="minMax"/>
+        </c:scaling>
+        <c:delete val="0"/>
+        <c:axPos val="b"/>
+        <c:numFmt formatCode="General" sourceLinked="1"/>
+        <c:majorTickMark val="none"/>
+        <c:minorTickMark val="none"/>
+        <c:tickLblPos val="nextTo"/>
+        <c:spPr>
+          <a:noFill/>
+          <a:ln w="9525" cap="flat" cmpd="sng" algn="ctr">
+            <a:solidFill>
+              <a:schemeClr val="tx1">
+                <a:lumMod val="15000"/>
+                <a:lumOff val="85000"/>
+              </a:schemeClr>
+            </a:solidFill>
+            <a:round/>
+          </a:ln>
+          <a:effectLst/>
+        </c:spPr>
+        <c:txPr>
+          <a:bodyPr rot="-60000000" spcFirstLastPara="1" vertOverflow="ellipsis" vert="horz" wrap="square" anchor="ctr" anchorCtr="1"/>
+          <a:lstStyle/>
+          <a:p>
+            <a:pPr>
+              <a:defRPr sz="900" b="0" i="0" u="none" strike="noStrike" kern="1200" baseline="0">
+                <a:solidFill>
+                  <a:schemeClr val="tx1">
+                    <a:lumMod val="65000"/>
+                    <a:lumOff val="35000"/>
+                  </a:schemeClr>
+                </a:solidFill>
+                <a:latin typeface="+mn-lt"/>
+                <a:ea typeface="+mn-ea"/>
+                <a:cs typeface="+mn-cs"/>
+              </a:defRPr>
+            </a:pPr>
+            <a:endParaRPr lang="en-US"/>
+          </a:p>
+        </c:txPr>
+        <c:crossAx val="109188352"/>
+        <c:crosses val="autoZero"/>
+        <c:auto val="1"/>
+        <c:lblAlgn val="ctr"/>
+        <c:lblOffset val="100"/>
+        <c:noMultiLvlLbl val="0"/>
+      </c:catAx>
+      <c:valAx>
+        <c:axId val="109188352"/>
+        <c:scaling>
+          <c:orientation val="minMax"/>
+        </c:scaling>
+        <c:delete val="0"/>
+        <c:axPos val="l"/>
+        <c:majorGridlines>
+          <c:spPr>
+            <a:ln w="9525" cap="flat" cmpd="sng" algn="ctr">
+              <a:solidFill>
+                <a:schemeClr val="tx1">
+                  <a:lumMod val="15000"/>
+                  <a:lumOff val="85000"/>
+                </a:schemeClr>
+              </a:solidFill>
+              <a:round/>
+            </a:ln>
+            <a:effectLst/>
+          </c:spPr>
+        </c:majorGridlines>
+        <c:numFmt formatCode="General" sourceLinked="1"/>
+        <c:majorTickMark val="none"/>
+        <c:minorTickMark val="none"/>
+        <c:tickLblPos val="nextTo"/>
+        <c:spPr>
+          <a:noFill/>
+          <a:ln>
+            <a:noFill/>
+          </a:ln>
+          <a:effectLst/>
+        </c:spPr>
+        <c:txPr>
+          <a:bodyPr rot="-60000000" spcFirstLastPara="1" vertOverflow="ellipsis" vert="horz" wrap="square" anchor="ctr" anchorCtr="1"/>
+          <a:lstStyle/>
+          <a:p>
+            <a:pPr>
+              <a:defRPr sz="900" b="0" i="0" u="none" strike="noStrike" kern="1200" baseline="0">
+                <a:solidFill>
+                  <a:schemeClr val="tx1">
+                    <a:lumMod val="65000"/>
+                    <a:lumOff val="35000"/>
+                  </a:schemeClr>
+                </a:solidFill>
+                <a:latin typeface="+mn-lt"/>
+                <a:ea typeface="+mn-ea"/>
+                <a:cs typeface="+mn-cs"/>
+              </a:defRPr>
+            </a:pPr>
+            <a:endParaRPr lang="en-US"/>
+          </a:p>
+        </c:txPr>
+        <c:crossAx val="109187792"/>
+        <c:crosses val="autoZero"/>
+        <c:crossBetween val="between"/>
+      </c:valAx>
+      <c:spPr>
+        <a:noFill/>
+        <a:ln>
+          <a:noFill/>
+        </a:ln>
+        <a:effectLst/>
+      </c:spPr>
+    </c:plotArea>
+    <c:plotVisOnly val="1"/>
+    <c:dispBlanksAs val="gap"/>
+    <c:showDLblsOverMax val="0"/>
+  </c:chart>
+  <c:spPr>
+    <a:noFill/>
+    <a:ln>
+      <a:noFill/>
+    </a:ln>
+    <a:effectLst/>
+  </c:spPr>
+  <c:txPr>
+    <a:bodyPr/>
+    <a:lstStyle/>
+    <a:p>
+      <a:pPr>
+        <a:defRPr/>
+      </a:pPr>
+      <a:endParaRPr lang="en-US"/>
+    </a:p>
+  </c:txPr>
+  <c:externalData r:id="rId3">
+    <c:autoUpdate val="0"/>
+  </c:externalData>
+</c:chartSpace>
+</file>
+
+<file path=ppt/charts/chart3.xml><?xml version="1.0" encoding="utf-8"?>
+<c:chartSpace xmlns:c="http://schemas.openxmlformats.org/drawingml/2006/chart" xmlns:a="http://schemas.openxmlformats.org/drawingml/2006/main" xmlns:r="http://schemas.openxmlformats.org/officeDocument/2006/relationships" xmlns:c16r2="http://schemas.microsoft.com/office/drawing/2015/06/chart">
+  <c:date1904 val="0"/>
+  <c:lang val="en-US"/>
+  <c:roundedCorners val="0"/>
+  <mc:AlternateContent xmlns:mc="http://schemas.openxmlformats.org/markup-compatibility/2006">
+    <mc:Choice xmlns:c14="http://schemas.microsoft.com/office/drawing/2007/8/2/chart" Requires="c14">
+      <c14:style val="102"/>
+    </mc:Choice>
+    <mc:Fallback>
+      <c:style val="2"/>
+    </mc:Fallback>
+  </mc:AlternateContent>
+  <c:chart>
+    <c:title>
+      <c:tx>
+        <c:rich>
+          <a:bodyPr rot="0" spcFirstLastPara="1" vertOverflow="ellipsis" vert="horz" wrap="square" anchor="ctr" anchorCtr="1"/>
+          <a:lstStyle/>
+          <a:p>
+            <a:pPr>
+              <a:defRPr sz="1400" b="0" i="0" u="none" strike="noStrike" kern="1200" spc="0" baseline="0">
+                <a:solidFill>
+                  <a:schemeClr val="tx1">
+                    <a:lumMod val="65000"/>
+                    <a:lumOff val="35000"/>
+                  </a:schemeClr>
+                </a:solidFill>
+                <a:latin typeface="+mn-lt"/>
+                <a:ea typeface="+mn-ea"/>
+                <a:cs typeface="+mn-cs"/>
+              </a:defRPr>
+            </a:pPr>
+            <a:r>
+              <a:rPr lang="en-US"/>
+              <a:t>F-Score</a:t>
+            </a:r>
+            <a:r>
+              <a:rPr lang="en-US" baseline="0"/>
+              <a:t> of </a:t>
+            </a:r>
+            <a:r>
+              <a:rPr lang="en-US"/>
+              <a:t>10 dataset by difference method</a:t>
+            </a:r>
+          </a:p>
+        </c:rich>
+      </c:tx>
+      <c:overlay val="0"/>
+      <c:spPr>
+        <a:noFill/>
+        <a:ln>
+          <a:noFill/>
+        </a:ln>
+        <a:effectLst/>
+      </c:spPr>
+      <c:txPr>
+        <a:bodyPr rot="0" spcFirstLastPara="1" vertOverflow="ellipsis" vert="horz" wrap="square" anchor="ctr" anchorCtr="1"/>
+        <a:lstStyle/>
+        <a:p>
+          <a:pPr>
+            <a:defRPr sz="1400" b="0" i="0" u="none" strike="noStrike" kern="1200" spc="0" baseline="0">
+              <a:solidFill>
+                <a:schemeClr val="tx1">
+                  <a:lumMod val="65000"/>
+                  <a:lumOff val="35000"/>
+                </a:schemeClr>
+              </a:solidFill>
+              <a:latin typeface="+mn-lt"/>
+              <a:ea typeface="+mn-ea"/>
+              <a:cs typeface="+mn-cs"/>
+            </a:defRPr>
+          </a:pPr>
+          <a:endParaRPr lang="en-US"/>
+        </a:p>
+      </c:txPr>
+    </c:title>
+    <c:autoTitleDeleted val="0"/>
+    <c:plotArea>
+      <c:layout/>
+      <c:barChart>
+        <c:barDir val="col"/>
+        <c:grouping val="clustered"/>
+        <c:varyColors val="0"/>
+        <c:ser>
+          <c:idx val="0"/>
+          <c:order val="0"/>
+          <c:tx>
+            <c:strRef>
+              <c:f>'[graph-1.xlsx]Score'!$A$2</c:f>
+              <c:strCache>
+                <c:ptCount val="1"/>
+                <c:pt idx="0">
+                  <c:v>SGDClassifier</c:v>
+                </c:pt>
+              </c:strCache>
+            </c:strRef>
+          </c:tx>
+          <c:spPr>
+            <a:solidFill>
+              <a:schemeClr val="accent1"/>
+            </a:solidFill>
+            <a:ln>
+              <a:noFill/>
+            </a:ln>
+            <a:effectLst/>
+          </c:spPr>
+          <c:invertIfNegative val="0"/>
+          <c:cat>
+            <c:strRef>
+              <c:f>'[graph-1.xlsx]Score'!$B$1:$L$1</c:f>
+              <c:strCache>
+                <c:ptCount val="11"/>
+                <c:pt idx="0">
+                  <c:v>Round 1</c:v>
+                </c:pt>
+                <c:pt idx="1">
+                  <c:v>Round 2</c:v>
+                </c:pt>
+                <c:pt idx="2">
+                  <c:v>Round 3</c:v>
+                </c:pt>
+                <c:pt idx="3">
+                  <c:v>Round 4</c:v>
+                </c:pt>
+                <c:pt idx="4">
+                  <c:v>Round 5</c:v>
+                </c:pt>
+                <c:pt idx="5">
+                  <c:v>Round 6</c:v>
+                </c:pt>
+                <c:pt idx="6">
+                  <c:v>Round 7</c:v>
+                </c:pt>
+                <c:pt idx="7">
+                  <c:v>Round 8</c:v>
+                </c:pt>
+                <c:pt idx="8">
+                  <c:v>Round 9</c:v>
+                </c:pt>
+                <c:pt idx="9">
+                  <c:v>Round 10</c:v>
+                </c:pt>
+                <c:pt idx="10">
+                  <c:v>MEAN</c:v>
+                </c:pt>
+              </c:strCache>
+            </c:strRef>
+          </c:cat>
+          <c:val>
+            <c:numRef>
+              <c:f>'[graph-1.xlsx]Score'!$B$2:$L$2</c:f>
+              <c:numCache>
+                <c:formatCode>General</c:formatCode>
+                <c:ptCount val="11"/>
+                <c:pt idx="0">
+                  <c:v>0.9387591575091575</c:v>
+                </c:pt>
+                <c:pt idx="1">
+                  <c:v>0.9347128173647512</c:v>
+                </c:pt>
+                <c:pt idx="2">
+                  <c:v>0.97167107583774248</c:v>
+                </c:pt>
+                <c:pt idx="3">
+                  <c:v>0.99166941198002467</c:v>
+                </c:pt>
+                <c:pt idx="4">
+                  <c:v>0.99032842157842171</c:v>
+                </c:pt>
+                <c:pt idx="5">
+                  <c:v>0.92459421617030324</c:v>
+                </c:pt>
+                <c:pt idx="6">
+                  <c:v>0.92556178321371696</c:v>
+                </c:pt>
+                <c:pt idx="7">
+                  <c:v>0.98864950838635046</c:v>
+                </c:pt>
+                <c:pt idx="8">
+                  <c:v>0.9317378917378919</c:v>
+                </c:pt>
+                <c:pt idx="9">
+                  <c:v>0.96830357142857137</c:v>
+                </c:pt>
+                <c:pt idx="10">
+                  <c:v>0.95659878552069311</c:v>
+                </c:pt>
+              </c:numCache>
+            </c:numRef>
+          </c:val>
+          <c:extLst>
+            <c:ext xmlns:c16="http://schemas.microsoft.com/office/drawing/2014/chart" uri="{C3380CC4-5D6E-409C-BE32-E72D297353CC}">
+              <c16:uniqueId val="{00000000-9608-46A7-9BB9-A61F7A6B63BA}"/>
+            </c:ext>
+          </c:extLst>
+        </c:ser>
+        <c:ser>
+          <c:idx val="1"/>
+          <c:order val="1"/>
+          <c:tx>
+            <c:strRef>
+              <c:f>'[graph-1.xlsx]Score'!$A$3</c:f>
+              <c:strCache>
+                <c:ptCount val="1"/>
+                <c:pt idx="0">
+                  <c:v>NearestCentroid</c:v>
+                </c:pt>
+              </c:strCache>
+            </c:strRef>
+          </c:tx>
+          <c:spPr>
+            <a:solidFill>
+              <a:schemeClr val="accent2"/>
+            </a:solidFill>
+            <a:ln>
+              <a:noFill/>
+            </a:ln>
+            <a:effectLst/>
+          </c:spPr>
+          <c:invertIfNegative val="0"/>
+          <c:cat>
+            <c:strRef>
+              <c:f>'[graph-1.xlsx]Score'!$B$1:$L$1</c:f>
+              <c:strCache>
+                <c:ptCount val="11"/>
+                <c:pt idx="0">
+                  <c:v>Round 1</c:v>
+                </c:pt>
+                <c:pt idx="1">
+                  <c:v>Round 2</c:v>
+                </c:pt>
+                <c:pt idx="2">
+                  <c:v>Round 3</c:v>
+                </c:pt>
+                <c:pt idx="3">
+                  <c:v>Round 4</c:v>
+                </c:pt>
+                <c:pt idx="4">
+                  <c:v>Round 5</c:v>
+                </c:pt>
+                <c:pt idx="5">
+                  <c:v>Round 6</c:v>
+                </c:pt>
+                <c:pt idx="6">
+                  <c:v>Round 7</c:v>
+                </c:pt>
+                <c:pt idx="7">
+                  <c:v>Round 8</c:v>
+                </c:pt>
+                <c:pt idx="8">
+                  <c:v>Round 9</c:v>
+                </c:pt>
+                <c:pt idx="9">
+                  <c:v>Round 10</c:v>
+                </c:pt>
+                <c:pt idx="10">
+                  <c:v>MEAN</c:v>
+                </c:pt>
+              </c:strCache>
+            </c:strRef>
+          </c:cat>
+          <c:val>
+            <c:numRef>
+              <c:f>'[graph-1.xlsx]Score'!$B$3:$L$3</c:f>
+              <c:numCache>
+                <c:formatCode>General</c:formatCode>
+                <c:ptCount val="11"/>
+                <c:pt idx="0">
+                  <c:v>0.93462301587301599</c:v>
+                </c:pt>
+                <c:pt idx="1">
+                  <c:v>0.99512820512820521</c:v>
+                </c:pt>
+                <c:pt idx="2">
+                  <c:v>0.92073412698412704</c:v>
+                </c:pt>
+                <c:pt idx="3">
+                  <c:v>0.97285006660006668</c:v>
+                </c:pt>
+                <c:pt idx="4">
+                  <c:v>0.99553224553224551</c:v>
+                </c:pt>
+                <c:pt idx="5">
+                  <c:v>0.91851061949746171</c:v>
+                </c:pt>
+                <c:pt idx="6">
+                  <c:v>0.91829718484130252</c:v>
+                </c:pt>
+                <c:pt idx="7">
+                  <c:v>0.93903499278499281</c:v>
+                </c:pt>
+                <c:pt idx="8">
+                  <c:v>0.97430555555555554</c:v>
+                </c:pt>
+                <c:pt idx="9">
+                  <c:v>0.96210317460317452</c:v>
+                </c:pt>
+                <c:pt idx="10">
+                  <c:v>0.95311191874001477</c:v>
+                </c:pt>
+              </c:numCache>
+            </c:numRef>
+          </c:val>
+          <c:extLst>
+            <c:ext xmlns:c16="http://schemas.microsoft.com/office/drawing/2014/chart" uri="{C3380CC4-5D6E-409C-BE32-E72D297353CC}">
+              <c16:uniqueId val="{00000001-9608-46A7-9BB9-A61F7A6B63BA}"/>
+            </c:ext>
+          </c:extLst>
+        </c:ser>
+        <c:ser>
+          <c:idx val="2"/>
+          <c:order val="2"/>
+          <c:tx>
+            <c:strRef>
+              <c:f>'[graph-1.xlsx]Score'!$A$4</c:f>
+              <c:strCache>
+                <c:ptCount val="1"/>
+                <c:pt idx="0">
+                  <c:v>KNeighborsClassifier</c:v>
+                </c:pt>
+              </c:strCache>
+            </c:strRef>
+          </c:tx>
+          <c:spPr>
+            <a:solidFill>
+              <a:schemeClr val="accent3"/>
+            </a:solidFill>
+            <a:ln>
+              <a:noFill/>
+            </a:ln>
+            <a:effectLst/>
+          </c:spPr>
+          <c:invertIfNegative val="0"/>
+          <c:cat>
+            <c:strRef>
+              <c:f>'[graph-1.xlsx]Score'!$B$1:$L$1</c:f>
+              <c:strCache>
+                <c:ptCount val="11"/>
+                <c:pt idx="0">
+                  <c:v>Round 1</c:v>
+                </c:pt>
+                <c:pt idx="1">
+                  <c:v>Round 2</c:v>
+                </c:pt>
+                <c:pt idx="2">
+                  <c:v>Round 3</c:v>
+                </c:pt>
+                <c:pt idx="3">
+                  <c:v>Round 4</c:v>
+                </c:pt>
+                <c:pt idx="4">
+                  <c:v>Round 5</c:v>
+                </c:pt>
+                <c:pt idx="5">
+                  <c:v>Round 6</c:v>
+                </c:pt>
+                <c:pt idx="6">
+                  <c:v>Round 7</c:v>
+                </c:pt>
+                <c:pt idx="7">
+                  <c:v>Round 8</c:v>
+                </c:pt>
+                <c:pt idx="8">
+                  <c:v>Round 9</c:v>
+                </c:pt>
+                <c:pt idx="9">
+                  <c:v>Round 10</c:v>
+                </c:pt>
+                <c:pt idx="10">
+                  <c:v>MEAN</c:v>
+                </c:pt>
+              </c:strCache>
+            </c:strRef>
+          </c:cat>
+          <c:val>
+            <c:numRef>
+              <c:f>'[graph-1.xlsx]Score'!$B$4:$L$4</c:f>
+              <c:numCache>
+                <c:formatCode>General</c:formatCode>
+                <c:ptCount val="11"/>
+                <c:pt idx="0">
+                  <c:v>0.92197544642857154</c:v>
+                </c:pt>
+                <c:pt idx="1">
+                  <c:v>0.97419312169312178</c:v>
+                </c:pt>
+                <c:pt idx="2">
+                  <c:v>0.91558711449840491</c:v>
+                </c:pt>
+                <c:pt idx="3">
+                  <c:v>0.93574989824989829</c:v>
+                </c:pt>
+                <c:pt idx="4">
+                  <c:v>0.99262661457783408</c:v>
+                </c:pt>
+                <c:pt idx="5">
+                  <c:v>0.91432968231705958</c:v>
+                </c:pt>
+                <c:pt idx="6">
+                  <c:v>0.92783505383505371</c:v>
+                </c:pt>
+                <c:pt idx="7">
+                  <c:v>0.9259066859066859</c:v>
+                </c:pt>
+                <c:pt idx="8">
+                  <c:v>0.97111257309941523</c:v>
+                </c:pt>
+                <c:pt idx="9">
+                  <c:v>0.98230193925315878</c:v>
+                </c:pt>
+                <c:pt idx="10">
+                  <c:v>0.94616181298592017</c:v>
+                </c:pt>
+              </c:numCache>
+            </c:numRef>
+          </c:val>
+          <c:extLst>
+            <c:ext xmlns:c16="http://schemas.microsoft.com/office/drawing/2014/chart" uri="{C3380CC4-5D6E-409C-BE32-E72D297353CC}">
+              <c16:uniqueId val="{00000002-9608-46A7-9BB9-A61F7A6B63BA}"/>
+            </c:ext>
+          </c:extLst>
+        </c:ser>
+        <c:dLbls>
+          <c:showLegendKey val="0"/>
+          <c:showVal val="0"/>
+          <c:showCatName val="0"/>
+          <c:showSerName val="0"/>
+          <c:showPercent val="0"/>
+          <c:showBubbleSize val="0"/>
+        </c:dLbls>
+        <c:gapWidth val="219"/>
+        <c:overlap val="-27"/>
+        <c:axId val="109191712"/>
+        <c:axId val="109192272"/>
+      </c:barChart>
+      <c:catAx>
+        <c:axId val="109191712"/>
+        <c:scaling>
+          <c:orientation val="minMax"/>
+        </c:scaling>
+        <c:delete val="0"/>
+        <c:axPos val="b"/>
+        <c:numFmt formatCode="General" sourceLinked="1"/>
+        <c:majorTickMark val="none"/>
+        <c:minorTickMark val="none"/>
+        <c:tickLblPos val="nextTo"/>
+        <c:spPr>
+          <a:noFill/>
+          <a:ln w="9525" cap="flat" cmpd="sng" algn="ctr">
+            <a:solidFill>
+              <a:schemeClr val="tx1">
+                <a:lumMod val="15000"/>
+                <a:lumOff val="85000"/>
+              </a:schemeClr>
+            </a:solidFill>
+            <a:round/>
+          </a:ln>
+          <a:effectLst/>
+        </c:spPr>
+        <c:txPr>
+          <a:bodyPr rot="-60000000" spcFirstLastPara="1" vertOverflow="ellipsis" vert="horz" wrap="square" anchor="ctr" anchorCtr="1"/>
+          <a:lstStyle/>
+          <a:p>
+            <a:pPr>
+              <a:defRPr sz="900" b="0" i="0" u="none" strike="noStrike" kern="1200" baseline="0">
+                <a:solidFill>
+                  <a:schemeClr val="tx1">
+                    <a:lumMod val="65000"/>
+                    <a:lumOff val="35000"/>
+                  </a:schemeClr>
+                </a:solidFill>
+                <a:latin typeface="+mn-lt"/>
+                <a:ea typeface="+mn-ea"/>
+                <a:cs typeface="+mn-cs"/>
+              </a:defRPr>
+            </a:pPr>
+            <a:endParaRPr lang="en-US"/>
+          </a:p>
+        </c:txPr>
+        <c:crossAx val="109192272"/>
+        <c:crosses val="autoZero"/>
+        <c:auto val="1"/>
+        <c:lblAlgn val="ctr"/>
+        <c:lblOffset val="100"/>
+        <c:noMultiLvlLbl val="0"/>
+      </c:catAx>
+      <c:valAx>
+        <c:axId val="109192272"/>
+        <c:scaling>
+          <c:orientation val="minMax"/>
+        </c:scaling>
+        <c:delete val="0"/>
+        <c:axPos val="l"/>
+        <c:majorGridlines>
+          <c:spPr>
+            <a:ln w="9525" cap="flat" cmpd="sng" algn="ctr">
+              <a:solidFill>
+                <a:schemeClr val="tx1">
+                  <a:lumMod val="15000"/>
+                  <a:lumOff val="85000"/>
+                </a:schemeClr>
+              </a:solidFill>
+              <a:round/>
+            </a:ln>
+            <a:effectLst/>
+          </c:spPr>
+        </c:majorGridlines>
+        <c:numFmt formatCode="General" sourceLinked="1"/>
+        <c:majorTickMark val="none"/>
+        <c:minorTickMark val="none"/>
+        <c:tickLblPos val="nextTo"/>
+        <c:spPr>
+          <a:noFill/>
+          <a:ln>
+            <a:noFill/>
+          </a:ln>
+          <a:effectLst/>
+        </c:spPr>
+        <c:txPr>
+          <a:bodyPr rot="-60000000" spcFirstLastPara="1" vertOverflow="ellipsis" vert="horz" wrap="square" anchor="ctr" anchorCtr="1"/>
+          <a:lstStyle/>
+          <a:p>
+            <a:pPr>
+              <a:defRPr sz="900" b="0" i="0" u="none" strike="noStrike" kern="1200" baseline="0">
+                <a:solidFill>
+                  <a:schemeClr val="tx1">
+                    <a:lumMod val="65000"/>
+                    <a:lumOff val="35000"/>
+                  </a:schemeClr>
+                </a:solidFill>
+                <a:latin typeface="+mn-lt"/>
+                <a:ea typeface="+mn-ea"/>
+                <a:cs typeface="+mn-cs"/>
+              </a:defRPr>
+            </a:pPr>
+            <a:endParaRPr lang="en-US"/>
+          </a:p>
+        </c:txPr>
+        <c:crossAx val="109191712"/>
+        <c:crosses val="autoZero"/>
+        <c:crossBetween val="between"/>
+      </c:valAx>
+      <c:spPr>
+        <a:noFill/>
+        <a:ln>
+          <a:noFill/>
+        </a:ln>
+        <a:effectLst/>
+      </c:spPr>
+    </c:plotArea>
+    <c:legend>
+      <c:legendPos val="b"/>
+      <c:overlay val="0"/>
+      <c:spPr>
+        <a:noFill/>
+        <a:ln>
+          <a:noFill/>
+        </a:ln>
+        <a:effectLst/>
+      </c:spPr>
+      <c:txPr>
+        <a:bodyPr rot="0" spcFirstLastPara="1" vertOverflow="ellipsis" vert="horz" wrap="square" anchor="ctr" anchorCtr="1"/>
+        <a:lstStyle/>
+        <a:p>
+          <a:pPr>
+            <a:defRPr sz="900" b="0" i="0" u="none" strike="noStrike" kern="1200" baseline="0">
+              <a:solidFill>
+                <a:schemeClr val="tx1">
+                  <a:lumMod val="65000"/>
+                  <a:lumOff val="35000"/>
+                </a:schemeClr>
+              </a:solidFill>
+              <a:latin typeface="+mn-lt"/>
+              <a:ea typeface="+mn-ea"/>
+              <a:cs typeface="+mn-cs"/>
+            </a:defRPr>
+          </a:pPr>
+          <a:endParaRPr lang="en-US"/>
+        </a:p>
+      </c:txPr>
+    </c:legend>
+    <c:plotVisOnly val="1"/>
+    <c:dispBlanksAs val="gap"/>
+    <c:showDLblsOverMax val="0"/>
+  </c:chart>
+  <c:spPr>
+    <a:noFill/>
+    <a:ln>
+      <a:noFill/>
+    </a:ln>
+    <a:effectLst/>
+  </c:spPr>
+  <c:txPr>
+    <a:bodyPr/>
+    <a:lstStyle/>
+    <a:p>
+      <a:pPr>
+        <a:defRPr/>
+      </a:pPr>
+      <a:endParaRPr lang="en-US"/>
+    </a:p>
+  </c:txPr>
+  <c:externalData r:id="rId3">
+    <c:autoUpdate val="0"/>
+  </c:externalData>
+</c:chartSpace>
+</file>
+
+<file path=ppt/charts/colors1.xml><?xml version="1.0" encoding="utf-8"?>
+<cs:colorStyle xmlns:cs="http://schemas.microsoft.com/office/drawing/2012/chartStyle" xmlns:a="http://schemas.openxmlformats.org/drawingml/2006/main" meth="cycle" id="10">
+  <a:schemeClr val="accent1"/>
+  <a:schemeClr val="accent2"/>
+  <a:schemeClr val="accent3"/>
+  <a:schemeClr val="accent4"/>
+  <a:schemeClr val="accent5"/>
+  <a:schemeClr val="accent6"/>
+  <cs:variation/>
+  <cs:variation>
+    <a:lumMod val="60000"/>
+  </cs:variation>
+  <cs:variation>
+    <a:lumMod val="80000"/>
+    <a:lumOff val="20000"/>
+  </cs:variation>
+  <cs:variation>
+    <a:lumMod val="80000"/>
+  </cs:variation>
+  <cs:variation>
+    <a:lumMod val="60000"/>
+    <a:lumOff val="40000"/>
+  </cs:variation>
+  <cs:variation>
+    <a:lumMod val="50000"/>
+  </cs:variation>
+  <cs:variation>
+    <a:lumMod val="70000"/>
+    <a:lumOff val="30000"/>
+  </cs:variation>
+  <cs:variation>
+    <a:lumMod val="70000"/>
+  </cs:variation>
+  <cs:variation>
+    <a:lumMod val="50000"/>
+    <a:lumOff val="50000"/>
+  </cs:variation>
+</cs:colorStyle>
+</file>
+
+<file path=ppt/charts/colors2.xml><?xml version="1.0" encoding="utf-8"?>
+<cs:colorStyle xmlns:cs="http://schemas.microsoft.com/office/drawing/2012/chartStyle" xmlns:a="http://schemas.openxmlformats.org/drawingml/2006/main" meth="cycle" id="10">
+  <a:schemeClr val="accent1"/>
+  <a:schemeClr val="accent2"/>
+  <a:schemeClr val="accent3"/>
+  <a:schemeClr val="accent4"/>
+  <a:schemeClr val="accent5"/>
+  <a:schemeClr val="accent6"/>
+  <cs:variation/>
+  <cs:variation>
+    <a:lumMod val="60000"/>
+  </cs:variation>
+  <cs:variation>
+    <a:lumMod val="80000"/>
+    <a:lumOff val="20000"/>
+  </cs:variation>
+  <cs:variation>
+    <a:lumMod val="80000"/>
+  </cs:variation>
+  <cs:variation>
+    <a:lumMod val="60000"/>
+    <a:lumOff val="40000"/>
+  </cs:variation>
+  <cs:variation>
+    <a:lumMod val="50000"/>
+  </cs:variation>
+  <cs:variation>
+    <a:lumMod val="70000"/>
+    <a:lumOff val="30000"/>
+  </cs:variation>
+  <cs:variation>
+    <a:lumMod val="70000"/>
+  </cs:variation>
+  <cs:variation>
+    <a:lumMod val="50000"/>
+    <a:lumOff val="50000"/>
+  </cs:variation>
+</cs:colorStyle>
+</file>
+
+<file path=ppt/charts/colors3.xml><?xml version="1.0" encoding="utf-8"?>
+<cs:colorStyle xmlns:cs="http://schemas.microsoft.com/office/drawing/2012/chartStyle" xmlns:a="http://schemas.openxmlformats.org/drawingml/2006/main" meth="cycle" id="10">
+  <a:schemeClr val="accent1"/>
+  <a:schemeClr val="accent2"/>
+  <a:schemeClr val="accent3"/>
+  <a:schemeClr val="accent4"/>
+  <a:schemeClr val="accent5"/>
+  <a:schemeClr val="accent6"/>
+  <cs:variation/>
+  <cs:variation>
+    <a:lumMod val="60000"/>
+  </cs:variation>
+  <cs:variation>
+    <a:lumMod val="80000"/>
+    <a:lumOff val="20000"/>
+  </cs:variation>
+  <cs:variation>
+    <a:lumMod val="80000"/>
+  </cs:variation>
+  <cs:variation>
+    <a:lumMod val="60000"/>
+    <a:lumOff val="40000"/>
+  </cs:variation>
+  <cs:variation>
+    <a:lumMod val="50000"/>
+  </cs:variation>
+  <cs:variation>
+    <a:lumMod val="70000"/>
+    <a:lumOff val="30000"/>
+  </cs:variation>
+  <cs:variation>
+    <a:lumMod val="70000"/>
+  </cs:variation>
+  <cs:variation>
+    <a:lumMod val="50000"/>
+    <a:lumOff val="50000"/>
+  </cs:variation>
+</cs:colorStyle>
+</file>
+
+<file path=ppt/charts/style1.xml><?xml version="1.0" encoding="utf-8"?>
+<cs:chartStyle xmlns:cs="http://schemas.microsoft.com/office/drawing/2012/chartStyle" xmlns:a="http://schemas.openxmlformats.org/drawingml/2006/main" id="201">
+  <cs:axisTitle>
+    <cs:lnRef idx="0"/>
+    <cs:fillRef idx="0"/>
+    <cs:effectRef idx="0"/>
+    <cs:fontRef idx="minor">
+      <a:schemeClr val="tx1">
+        <a:lumMod val="65000"/>
+        <a:lumOff val="35000"/>
+      </a:schemeClr>
+    </cs:fontRef>
+    <cs:defRPr sz="1000" kern="1200"/>
+  </cs:axisTitle>
+  <cs:categoryAxis>
+    <cs:lnRef idx="0"/>
+    <cs:fillRef idx="0"/>
+    <cs:effectRef idx="0"/>
+    <cs:fontRef idx="minor">
+      <a:schemeClr val="tx1">
+        <a:lumMod val="65000"/>
+        <a:lumOff val="35000"/>
+      </a:schemeClr>
+    </cs:fontRef>
+    <cs:spPr>
+      <a:ln w="9525" cap="flat" cmpd="sng" algn="ctr">
+        <a:solidFill>
+          <a:schemeClr val="tx1">
+            <a:lumMod val="15000"/>
+            <a:lumOff val="85000"/>
+          </a:schemeClr>
+        </a:solidFill>
+        <a:round/>
+      </a:ln>
+    </cs:spPr>
+    <cs:defRPr sz="900" kern="1200"/>
+  </cs:categoryAxis>
+  <cs:chartArea mods="allowNoFillOverride allowNoLineOverride">
+    <cs:lnRef idx="0"/>
+    <cs:fillRef idx="0"/>
+    <cs:effectRef idx="0"/>
+    <cs:fontRef idx="minor">
+      <a:schemeClr val="tx1"/>
+    </cs:fontRef>
+    <cs:spPr>
+      <a:solidFill>
+        <a:schemeClr val="bg1"/>
+      </a:solidFill>
+      <a:ln w="9525" cap="flat" cmpd="sng" algn="ctr">
+        <a:solidFill>
+          <a:schemeClr val="tx1">
+            <a:lumMod val="15000"/>
+            <a:lumOff val="85000"/>
+          </a:schemeClr>
+        </a:solidFill>
+        <a:round/>
+      </a:ln>
+    </cs:spPr>
+    <cs:defRPr sz="1000" kern="1200"/>
+  </cs:chartArea>
+  <cs:dataLabel>
+    <cs:lnRef idx="0"/>
+    <cs:fillRef idx="0"/>
+    <cs:effectRef idx="0"/>
+    <cs:fontRef idx="minor">
+      <a:schemeClr val="tx1">
+        <a:lumMod val="75000"/>
+        <a:lumOff val="25000"/>
+      </a:schemeClr>
+    </cs:fontRef>
+    <cs:defRPr sz="900" kern="1200"/>
+  </cs:dataLabel>
+  <cs:dataLabelCallout>
+    <cs:lnRef idx="0"/>
+    <cs:fillRef idx="0"/>
+    <cs:effectRef idx="0"/>
+    <cs:fontRef idx="minor">
+      <a:schemeClr val="dk1">
+        <a:lumMod val="65000"/>
+        <a:lumOff val="35000"/>
+      </a:schemeClr>
+    </cs:fontRef>
+    <cs:spPr>
+      <a:solidFill>
+        <a:schemeClr val="lt1"/>
+      </a:solidFill>
+      <a:ln>
+        <a:solidFill>
+          <a:schemeClr val="dk1">
+            <a:lumMod val="25000"/>
+            <a:lumOff val="75000"/>
+          </a:schemeClr>
+        </a:solidFill>
+      </a:ln>
+    </cs:spPr>
+    <cs:defRPr sz="900" kern="1200"/>
+    <cs:bodyPr rot="0" spcFirstLastPara="1" vertOverflow="clip" horzOverflow="clip" vert="horz" wrap="square" lIns="36576" tIns="18288" rIns="36576" bIns="18288" anchor="ctr" anchorCtr="1">
+      <a:spAutoFit/>
+    </cs:bodyPr>
+  </cs:dataLabelCallout>
+  <cs:dataPoint>
+    <cs:lnRef idx="0"/>
+    <cs:fillRef idx="1">
+      <cs:styleClr val="auto"/>
+    </cs:fillRef>
+    <cs:effectRef idx="0"/>
+    <cs:fontRef idx="minor">
+      <a:schemeClr val="tx1"/>
+    </cs:fontRef>
+  </cs:dataPoint>
+  <cs:dataPoint3D>
+    <cs:lnRef idx="0"/>
+    <cs:fillRef idx="1">
+      <cs:styleClr val="auto"/>
+    </cs:fillRef>
+    <cs:effectRef idx="0"/>
+    <cs:fontRef idx="minor">
+      <a:schemeClr val="tx1"/>
+    </cs:fontRef>
+  </cs:dataPoint3D>
+  <cs:dataPointLine>
+    <cs:lnRef idx="0">
+      <cs:styleClr val="auto"/>
+    </cs:lnRef>
+    <cs:fillRef idx="1"/>
+    <cs:effectRef idx="0"/>
+    <cs:fontRef idx="minor">
+      <a:schemeClr val="tx1"/>
+    </cs:fontRef>
+    <cs:spPr>
+      <a:ln w="28575" cap="rnd">
+        <a:solidFill>
+          <a:schemeClr val="phClr"/>
+        </a:solidFill>
+        <a:round/>
+      </a:ln>
+    </cs:spPr>
+  </cs:dataPointLine>
+  <cs:dataPointMarker>
+    <cs:lnRef idx="0">
+      <cs:styleClr val="auto"/>
+    </cs:lnRef>
+    <cs:fillRef idx="1">
+      <cs:styleClr val="auto"/>
+    </cs:fillRef>
+    <cs:effectRef idx="0"/>
+    <cs:fontRef idx="minor">
+      <a:schemeClr val="tx1"/>
+    </cs:fontRef>
+    <cs:spPr>
+      <a:ln w="9525">
+        <a:solidFill>
+          <a:schemeClr val="phClr"/>
+        </a:solidFill>
+      </a:ln>
+    </cs:spPr>
+  </cs:dataPointMarker>
+  <cs:dataPointMarkerLayout symbol="circle" size="5"/>
+  <cs:dataPointWireframe>
+    <cs:lnRef idx="0">
+      <cs:styleClr val="auto"/>
+    </cs:lnRef>
+    <cs:fillRef idx="1"/>
+    <cs:effectRef idx="0"/>
+    <cs:fontRef idx="minor">
+      <a:schemeClr val="tx1"/>
+    </cs:fontRef>
+    <cs:spPr>
+      <a:ln w="9525" cap="rnd">
+        <a:solidFill>
+          <a:schemeClr val="phClr"/>
+        </a:solidFill>
+        <a:round/>
+      </a:ln>
+    </cs:spPr>
+  </cs:dataPointWireframe>
+  <cs:dataTable>
+    <cs:lnRef idx="0"/>
+    <cs:fillRef idx="0"/>
+    <cs:effectRef idx="0"/>
+    <cs:fontRef idx="minor">
+      <a:schemeClr val="tx1">
+        <a:lumMod val="65000"/>
+        <a:lumOff val="35000"/>
+      </a:schemeClr>
+    </cs:fontRef>
+    <cs:spPr>
+      <a:noFill/>
+      <a:ln w="9525" cap="flat" cmpd="sng" algn="ctr">
+        <a:solidFill>
+          <a:schemeClr val="tx1">
+            <a:lumMod val="15000"/>
+            <a:lumOff val="85000"/>
+          </a:schemeClr>
+        </a:solidFill>
+        <a:round/>
+      </a:ln>
+    </cs:spPr>
+    <cs:defRPr sz="900" kern="1200"/>
+  </cs:dataTable>
+  <cs:downBar>
+    <cs:lnRef idx="0"/>
+    <cs:fillRef idx="0"/>
+    <cs:effectRef idx="0"/>
+    <cs:fontRef idx="minor">
+      <a:schemeClr val="dk1"/>
+    </cs:fontRef>
+    <cs:spPr>
+      <a:solidFill>
+        <a:schemeClr val="dk1">
+          <a:lumMod val="65000"/>
+          <a:lumOff val="35000"/>
+        </a:schemeClr>
+      </a:solidFill>
+      <a:ln w="9525">
+        <a:solidFill>
+          <a:schemeClr val="tx1">
+            <a:lumMod val="65000"/>
+            <a:lumOff val="35000"/>
+          </a:schemeClr>
+        </a:solidFill>
+      </a:ln>
+    </cs:spPr>
+  </cs:downBar>
+  <cs:dropLine>
+    <cs:lnRef idx="0"/>
+    <cs:fillRef idx="0"/>
+    <cs:effectRef idx="0"/>
+    <cs:fontRef idx="minor">
+      <a:schemeClr val="tx1"/>
+    </cs:fontRef>
+    <cs:spPr>
+      <a:ln w="9525" cap="flat" cmpd="sng" algn="ctr">
+        <a:solidFill>
+          <a:schemeClr val="tx1">
+            <a:lumMod val="35000"/>
+            <a:lumOff val="65000"/>
+          </a:schemeClr>
+        </a:solidFill>
+        <a:round/>
+      </a:ln>
+    </cs:spPr>
+  </cs:dropLine>
+  <cs:errorBar>
+    <cs:lnRef idx="0"/>
+    <cs:fillRef idx="0"/>
+    <cs:effectRef idx="0"/>
+    <cs:fontRef idx="minor">
+      <a:schemeClr val="tx1"/>
+    </cs:fontRef>
+    <cs:spPr>
+      <a:ln w="9525" cap="flat" cmpd="sng" algn="ctr">
+        <a:solidFill>
+          <a:schemeClr val="tx1">
+            <a:lumMod val="65000"/>
+            <a:lumOff val="35000"/>
+          </a:schemeClr>
+        </a:solidFill>
+        <a:round/>
+      </a:ln>
+    </cs:spPr>
+  </cs:errorBar>
+  <cs:floor>
+    <cs:lnRef idx="0"/>
+    <cs:fillRef idx="0"/>
+    <cs:effectRef idx="0"/>
+    <cs:fontRef idx="minor">
+      <a:schemeClr val="tx1"/>
+    </cs:fontRef>
+    <cs:spPr>
+      <a:noFill/>
+      <a:ln>
+        <a:noFill/>
+      </a:ln>
+    </cs:spPr>
+  </cs:floor>
+  <cs:gridlineMajor>
+    <cs:lnRef idx="0"/>
+    <cs:fillRef idx="0"/>
+    <cs:effectRef idx="0"/>
+    <cs:fontRef idx="minor">
+      <a:schemeClr val="tx1"/>
+    </cs:fontRef>
+    <cs:spPr>
+      <a:ln w="9525" cap="flat" cmpd="sng" algn="ctr">
+        <a:solidFill>
+          <a:schemeClr val="tx1">
+            <a:lumMod val="15000"/>
+            <a:lumOff val="85000"/>
+          </a:schemeClr>
+        </a:solidFill>
+        <a:round/>
+      </a:ln>
+    </cs:spPr>
+  </cs:gridlineMajor>
+  <cs:gridlineMinor>
+    <cs:lnRef idx="0"/>
+    <cs:fillRef idx="0"/>
+    <cs:effectRef idx="0"/>
+    <cs:fontRef idx="minor">
+      <a:schemeClr val="tx1"/>
+    </cs:fontRef>
+    <cs:spPr>
+      <a:ln w="9525" cap="flat" cmpd="sng" algn="ctr">
+        <a:solidFill>
+          <a:schemeClr val="tx1">
+            <a:lumMod val="5000"/>
+            <a:lumOff val="95000"/>
+          </a:schemeClr>
+        </a:solidFill>
+        <a:round/>
+      </a:ln>
+    </cs:spPr>
+  </cs:gridlineMinor>
+  <cs:hiLoLine>
+    <cs:lnRef idx="0"/>
+    <cs:fillRef idx="0"/>
+    <cs:effectRef idx="0"/>
+    <cs:fontRef idx="minor">
+      <a:schemeClr val="tx1"/>
+    </cs:fontRef>
+    <cs:spPr>
+      <a:ln w="9525" cap="flat" cmpd="sng" algn="ctr">
+        <a:solidFill>
+          <a:schemeClr val="tx1">
+            <a:lumMod val="75000"/>
+            <a:lumOff val="25000"/>
+          </a:schemeClr>
+        </a:solidFill>
+        <a:round/>
+      </a:ln>
+    </cs:spPr>
+  </cs:hiLoLine>
+  <cs:leaderLine>
+    <cs:lnRef idx="0"/>
+    <cs:fillRef idx="0"/>
+    <cs:effectRef idx="0"/>
+    <cs:fontRef idx="minor">
+      <a:schemeClr val="tx1"/>
+    </cs:fontRef>
+    <cs:spPr>
+      <a:ln w="9525" cap="flat" cmpd="sng" algn="ctr">
+        <a:solidFill>
+          <a:schemeClr val="tx1">
+            <a:lumMod val="35000"/>
+            <a:lumOff val="65000"/>
+          </a:schemeClr>
+        </a:solidFill>
+        <a:round/>
+      </a:ln>
+    </cs:spPr>
+  </cs:leaderLine>
+  <cs:legend>
+    <cs:lnRef idx="0"/>
+    <cs:fillRef idx="0"/>
+    <cs:effectRef idx="0"/>
+    <cs:fontRef idx="minor">
+      <a:schemeClr val="tx1">
+        <a:lumMod val="65000"/>
+        <a:lumOff val="35000"/>
+      </a:schemeClr>
+    </cs:fontRef>
+    <cs:defRPr sz="900" kern="1200"/>
+  </cs:legend>
+  <cs:plotArea mods="allowNoFillOverride allowNoLineOverride">
+    <cs:lnRef idx="0"/>
+    <cs:fillRef idx="0"/>
+    <cs:effectRef idx="0"/>
+    <cs:fontRef idx="minor">
+      <a:schemeClr val="tx1"/>
+    </cs:fontRef>
+  </cs:plotArea>
+  <cs:plotArea3D mods="allowNoFillOverride allowNoLineOverride">
+    <cs:lnRef idx="0"/>
+    <cs:fillRef idx="0"/>
+    <cs:effectRef idx="0"/>
+    <cs:fontRef idx="minor">
+      <a:schemeClr val="tx1"/>
+    </cs:fontRef>
+  </cs:plotArea3D>
+  <cs:seriesAxis>
+    <cs:lnRef idx="0"/>
+    <cs:fillRef idx="0"/>
+    <cs:effectRef idx="0"/>
+    <cs:fontRef idx="minor">
+      <a:schemeClr val="tx1">
+        <a:lumMod val="65000"/>
+        <a:lumOff val="35000"/>
+      </a:schemeClr>
+    </cs:fontRef>
+    <cs:defRPr sz="900" kern="1200"/>
+  </cs:seriesAxis>
+  <cs:seriesLine>
+    <cs:lnRef idx="0"/>
+    <cs:fillRef idx="0"/>
+    <cs:effectRef idx="0"/>
+    <cs:fontRef idx="minor">
+      <a:schemeClr val="tx1"/>
+    </cs:fontRef>
+    <cs:spPr>
+      <a:ln w="9525" cap="flat" cmpd="sng" algn="ctr">
+        <a:solidFill>
+          <a:schemeClr val="tx1">
+            <a:lumMod val="35000"/>
+            <a:lumOff val="65000"/>
+          </a:schemeClr>
+        </a:solidFill>
+        <a:round/>
+      </a:ln>
+    </cs:spPr>
+  </cs:seriesLine>
+  <cs:title>
+    <cs:lnRef idx="0"/>
+    <cs:fillRef idx="0"/>
+    <cs:effectRef idx="0"/>
+    <cs:fontRef idx="minor">
+      <a:schemeClr val="tx1">
+        <a:lumMod val="65000"/>
+        <a:lumOff val="35000"/>
+      </a:schemeClr>
+    </cs:fontRef>
+    <cs:defRPr sz="1400" b="0" kern="1200" spc="0" baseline="0"/>
+  </cs:title>
+  <cs:trendline>
+    <cs:lnRef idx="0">
+      <cs:styleClr val="auto"/>
+    </cs:lnRef>
+    <cs:fillRef idx="0"/>
+    <cs:effectRef idx="0"/>
+    <cs:fontRef idx="minor">
+      <a:schemeClr val="tx1"/>
+    </cs:fontRef>
+    <cs:spPr>
+      <a:ln w="19050" cap="rnd">
+        <a:solidFill>
+          <a:schemeClr val="phClr"/>
+        </a:solidFill>
+        <a:prstDash val="sysDot"/>
+      </a:ln>
+    </cs:spPr>
+  </cs:trendline>
+  <cs:trendlineLabel>
+    <cs:lnRef idx="0"/>
+    <cs:fillRef idx="0"/>
+    <cs:effectRef idx="0"/>
+    <cs:fontRef idx="minor">
+      <a:schemeClr val="tx1">
+        <a:lumMod val="65000"/>
+        <a:lumOff val="35000"/>
+      </a:schemeClr>
+    </cs:fontRef>
+    <cs:defRPr sz="900" kern="1200"/>
+  </cs:trendlineLabel>
+  <cs:upBar>
+    <cs:lnRef idx="0"/>
+    <cs:fillRef idx="0"/>
+    <cs:effectRef idx="0"/>
+    <cs:fontRef idx="minor">
+      <a:schemeClr val="dk1"/>
+    </cs:fontRef>
+    <cs:spPr>
+      <a:solidFill>
+        <a:schemeClr val="lt1"/>
+      </a:solidFill>
+      <a:ln w="9525">
+        <a:solidFill>
+          <a:schemeClr val="tx1">
+            <a:lumMod val="15000"/>
+            <a:lumOff val="85000"/>
+          </a:schemeClr>
+        </a:solidFill>
+      </a:ln>
+    </cs:spPr>
+  </cs:upBar>
+  <cs:valueAxis>
+    <cs:lnRef idx="0"/>
+    <cs:fillRef idx="0"/>
+    <cs:effectRef idx="0"/>
+    <cs:fontRef idx="minor">
+      <a:schemeClr val="tx1">
+        <a:lumMod val="65000"/>
+        <a:lumOff val="35000"/>
+      </a:schemeClr>
+    </cs:fontRef>
+    <cs:defRPr sz="900" kern="1200"/>
+  </cs:valueAxis>
+  <cs:wall>
+    <cs:lnRef idx="0"/>
+    <cs:fillRef idx="0"/>
+    <cs:effectRef idx="0"/>
+    <cs:fontRef idx="minor">
+      <a:schemeClr val="tx1"/>
+    </cs:fontRef>
+    <cs:spPr>
+      <a:noFill/>
+      <a:ln>
+        <a:noFill/>
+      </a:ln>
+    </cs:spPr>
+  </cs:wall>
+</cs:chartStyle>
+</file>
+
+<file path=ppt/charts/style2.xml><?xml version="1.0" encoding="utf-8"?>
+<cs:chartStyle xmlns:cs="http://schemas.microsoft.com/office/drawing/2012/chartStyle" xmlns:a="http://schemas.openxmlformats.org/drawingml/2006/main" id="201">
+  <cs:axisTitle>
+    <cs:lnRef idx="0"/>
+    <cs:fillRef idx="0"/>
+    <cs:effectRef idx="0"/>
+    <cs:fontRef idx="minor">
+      <a:schemeClr val="tx1">
+        <a:lumMod val="65000"/>
+        <a:lumOff val="35000"/>
+      </a:schemeClr>
+    </cs:fontRef>
+    <cs:defRPr sz="1000" kern="1200"/>
+  </cs:axisTitle>
+  <cs:categoryAxis>
+    <cs:lnRef idx="0"/>
+    <cs:fillRef idx="0"/>
+    <cs:effectRef idx="0"/>
+    <cs:fontRef idx="minor">
+      <a:schemeClr val="tx1">
+        <a:lumMod val="65000"/>
+        <a:lumOff val="35000"/>
+      </a:schemeClr>
+    </cs:fontRef>
+    <cs:spPr>
+      <a:ln w="9525" cap="flat" cmpd="sng" algn="ctr">
+        <a:solidFill>
+          <a:schemeClr val="tx1">
+            <a:lumMod val="15000"/>
+            <a:lumOff val="85000"/>
+          </a:schemeClr>
+        </a:solidFill>
+        <a:round/>
+      </a:ln>
+    </cs:spPr>
+    <cs:defRPr sz="900" kern="1200"/>
+  </cs:categoryAxis>
+  <cs:chartArea mods="allowNoFillOverride allowNoLineOverride">
+    <cs:lnRef idx="0"/>
+    <cs:fillRef idx="0"/>
+    <cs:effectRef idx="0"/>
+    <cs:fontRef idx="minor">
+      <a:schemeClr val="tx1"/>
+    </cs:fontRef>
+    <cs:spPr>
+      <a:solidFill>
+        <a:schemeClr val="bg1"/>
+      </a:solidFill>
+      <a:ln w="9525" cap="flat" cmpd="sng" algn="ctr">
+        <a:solidFill>
+          <a:schemeClr val="tx1">
+            <a:lumMod val="15000"/>
+            <a:lumOff val="85000"/>
+          </a:schemeClr>
+        </a:solidFill>
+        <a:round/>
+      </a:ln>
+    </cs:spPr>
+    <cs:defRPr sz="1000" kern="1200"/>
+  </cs:chartArea>
+  <cs:dataLabel>
+    <cs:lnRef idx="0"/>
+    <cs:fillRef idx="0"/>
+    <cs:effectRef idx="0"/>
+    <cs:fontRef idx="minor">
+      <a:schemeClr val="tx1">
+        <a:lumMod val="75000"/>
+        <a:lumOff val="25000"/>
+      </a:schemeClr>
+    </cs:fontRef>
+    <cs:defRPr sz="900" kern="1200"/>
+  </cs:dataLabel>
+  <cs:dataLabelCallout>
+    <cs:lnRef idx="0"/>
+    <cs:fillRef idx="0"/>
+    <cs:effectRef idx="0"/>
+    <cs:fontRef idx="minor">
+      <a:schemeClr val="dk1">
+        <a:lumMod val="65000"/>
+        <a:lumOff val="35000"/>
+      </a:schemeClr>
+    </cs:fontRef>
+    <cs:spPr>
+      <a:solidFill>
+        <a:schemeClr val="lt1"/>
+      </a:solidFill>
+      <a:ln>
+        <a:solidFill>
+          <a:schemeClr val="dk1">
+            <a:lumMod val="25000"/>
+            <a:lumOff val="75000"/>
+          </a:schemeClr>
+        </a:solidFill>
+      </a:ln>
+    </cs:spPr>
+    <cs:defRPr sz="900" kern="1200"/>
+    <cs:bodyPr rot="0" spcFirstLastPara="1" vertOverflow="clip" horzOverflow="clip" vert="horz" wrap="square" lIns="36576" tIns="18288" rIns="36576" bIns="18288" anchor="ctr" anchorCtr="1">
+      <a:spAutoFit/>
+    </cs:bodyPr>
+  </cs:dataLabelCallout>
+  <cs:dataPoint>
+    <cs:lnRef idx="0"/>
+    <cs:fillRef idx="1">
+      <cs:styleClr val="auto"/>
+    </cs:fillRef>
+    <cs:effectRef idx="0"/>
+    <cs:fontRef idx="minor">
+      <a:schemeClr val="tx1"/>
+    </cs:fontRef>
+  </cs:dataPoint>
+  <cs:dataPoint3D>
+    <cs:lnRef idx="0"/>
+    <cs:fillRef idx="1">
+      <cs:styleClr val="auto"/>
+    </cs:fillRef>
+    <cs:effectRef idx="0"/>
+    <cs:fontRef idx="minor">
+      <a:schemeClr val="tx1"/>
+    </cs:fontRef>
+  </cs:dataPoint3D>
+  <cs:dataPointLine>
+    <cs:lnRef idx="0">
+      <cs:styleClr val="auto"/>
+    </cs:lnRef>
+    <cs:fillRef idx="1"/>
+    <cs:effectRef idx="0"/>
+    <cs:fontRef idx="minor">
+      <a:schemeClr val="tx1"/>
+    </cs:fontRef>
+    <cs:spPr>
+      <a:ln w="28575" cap="rnd">
+        <a:solidFill>
+          <a:schemeClr val="phClr"/>
+        </a:solidFill>
+        <a:round/>
+      </a:ln>
+    </cs:spPr>
+  </cs:dataPointLine>
+  <cs:dataPointMarker>
+    <cs:lnRef idx="0">
+      <cs:styleClr val="auto"/>
+    </cs:lnRef>
+    <cs:fillRef idx="1">
+      <cs:styleClr val="auto"/>
+    </cs:fillRef>
+    <cs:effectRef idx="0"/>
+    <cs:fontRef idx="minor">
+      <a:schemeClr val="tx1"/>
+    </cs:fontRef>
+    <cs:spPr>
+      <a:ln w="9525">
+        <a:solidFill>
+          <a:schemeClr val="phClr"/>
+        </a:solidFill>
+      </a:ln>
+    </cs:spPr>
+  </cs:dataPointMarker>
+  <cs:dataPointMarkerLayout symbol="circle" size="5"/>
+  <cs:dataPointWireframe>
+    <cs:lnRef idx="0">
+      <cs:styleClr val="auto"/>
+    </cs:lnRef>
+    <cs:fillRef idx="1"/>
+    <cs:effectRef idx="0"/>
+    <cs:fontRef idx="minor">
+      <a:schemeClr val="tx1"/>
+    </cs:fontRef>
+    <cs:spPr>
+      <a:ln w="9525" cap="rnd">
+        <a:solidFill>
+          <a:schemeClr val="phClr"/>
+        </a:solidFill>
+        <a:round/>
+      </a:ln>
+    </cs:spPr>
+  </cs:dataPointWireframe>
+  <cs:dataTable>
+    <cs:lnRef idx="0"/>
+    <cs:fillRef idx="0"/>
+    <cs:effectRef idx="0"/>
+    <cs:fontRef idx="minor">
+      <a:schemeClr val="tx1">
+        <a:lumMod val="65000"/>
+        <a:lumOff val="35000"/>
+      </a:schemeClr>
+    </cs:fontRef>
+    <cs:spPr>
+      <a:noFill/>
+      <a:ln w="9525" cap="flat" cmpd="sng" algn="ctr">
+        <a:solidFill>
+          <a:schemeClr val="tx1">
+            <a:lumMod val="15000"/>
+            <a:lumOff val="85000"/>
+          </a:schemeClr>
+        </a:solidFill>
+        <a:round/>
+      </a:ln>
+    </cs:spPr>
+    <cs:defRPr sz="900" kern="1200"/>
+  </cs:dataTable>
+  <cs:downBar>
+    <cs:lnRef idx="0"/>
+    <cs:fillRef idx="0"/>
+    <cs:effectRef idx="0"/>
+    <cs:fontRef idx="minor">
+      <a:schemeClr val="dk1"/>
+    </cs:fontRef>
+    <cs:spPr>
+      <a:solidFill>
+        <a:schemeClr val="dk1">
+          <a:lumMod val="65000"/>
+          <a:lumOff val="35000"/>
+        </a:schemeClr>
+      </a:solidFill>
+      <a:ln w="9525">
+        <a:solidFill>
+          <a:schemeClr val="tx1">
+            <a:lumMod val="65000"/>
+            <a:lumOff val="35000"/>
+          </a:schemeClr>
+        </a:solidFill>
+      </a:ln>
+    </cs:spPr>
+  </cs:downBar>
+  <cs:dropLine>
+    <cs:lnRef idx="0"/>
+    <cs:fillRef idx="0"/>
+    <cs:effectRef idx="0"/>
+    <cs:fontRef idx="minor">
+      <a:schemeClr val="tx1"/>
+    </cs:fontRef>
+    <cs:spPr>
+      <a:ln w="9525" cap="flat" cmpd="sng" algn="ctr">
+        <a:solidFill>
+          <a:schemeClr val="tx1">
+            <a:lumMod val="35000"/>
+            <a:lumOff val="65000"/>
+          </a:schemeClr>
+        </a:solidFill>
+        <a:round/>
+      </a:ln>
+    </cs:spPr>
+  </cs:dropLine>
+  <cs:errorBar>
+    <cs:lnRef idx="0"/>
+    <cs:fillRef idx="0"/>
+    <cs:effectRef idx="0"/>
+    <cs:fontRef idx="minor">
+      <a:schemeClr val="tx1"/>
+    </cs:fontRef>
+    <cs:spPr>
+      <a:ln w="9525" cap="flat" cmpd="sng" algn="ctr">
+        <a:solidFill>
+          <a:schemeClr val="tx1">
+            <a:lumMod val="65000"/>
+            <a:lumOff val="35000"/>
+          </a:schemeClr>
+        </a:solidFill>
+        <a:round/>
+      </a:ln>
+    </cs:spPr>
+  </cs:errorBar>
+  <cs:floor>
+    <cs:lnRef idx="0"/>
+    <cs:fillRef idx="0"/>
+    <cs:effectRef idx="0"/>
+    <cs:fontRef idx="minor">
+      <a:schemeClr val="tx1"/>
+    </cs:fontRef>
+    <cs:spPr>
+      <a:noFill/>
+      <a:ln>
+        <a:noFill/>
+      </a:ln>
+    </cs:spPr>
+  </cs:floor>
+  <cs:gridlineMajor>
+    <cs:lnRef idx="0"/>
+    <cs:fillRef idx="0"/>
+    <cs:effectRef idx="0"/>
+    <cs:fontRef idx="minor">
+      <a:schemeClr val="tx1"/>
+    </cs:fontRef>
+    <cs:spPr>
+      <a:ln w="9525" cap="flat" cmpd="sng" algn="ctr">
+        <a:solidFill>
+          <a:schemeClr val="tx1">
+            <a:lumMod val="15000"/>
+            <a:lumOff val="85000"/>
+          </a:schemeClr>
+        </a:solidFill>
+        <a:round/>
+      </a:ln>
+    </cs:spPr>
+  </cs:gridlineMajor>
+  <cs:gridlineMinor>
+    <cs:lnRef idx="0"/>
+    <cs:fillRef idx="0"/>
+    <cs:effectRef idx="0"/>
+    <cs:fontRef idx="minor">
+      <a:schemeClr val="tx1"/>
+    </cs:fontRef>
+    <cs:spPr>
+      <a:ln w="9525" cap="flat" cmpd="sng" algn="ctr">
+        <a:solidFill>
+          <a:schemeClr val="tx1">
+            <a:lumMod val="5000"/>
+            <a:lumOff val="95000"/>
+          </a:schemeClr>
+        </a:solidFill>
+        <a:round/>
+      </a:ln>
+    </cs:spPr>
+  </cs:gridlineMinor>
+  <cs:hiLoLine>
+    <cs:lnRef idx="0"/>
+    <cs:fillRef idx="0"/>
+    <cs:effectRef idx="0"/>
+    <cs:fontRef idx="minor">
+      <a:schemeClr val="tx1"/>
+    </cs:fontRef>
+    <cs:spPr>
+      <a:ln w="9525" cap="flat" cmpd="sng" algn="ctr">
+        <a:solidFill>
+          <a:schemeClr val="tx1">
+            <a:lumMod val="75000"/>
+            <a:lumOff val="25000"/>
+          </a:schemeClr>
+        </a:solidFill>
+        <a:round/>
+      </a:ln>
+    </cs:spPr>
+  </cs:hiLoLine>
+  <cs:leaderLine>
+    <cs:lnRef idx="0"/>
+    <cs:fillRef idx="0"/>
+    <cs:effectRef idx="0"/>
+    <cs:fontRef idx="minor">
+      <a:schemeClr val="tx1"/>
+    </cs:fontRef>
+    <cs:spPr>
+      <a:ln w="9525" cap="flat" cmpd="sng" algn="ctr">
+        <a:solidFill>
+          <a:schemeClr val="tx1">
+            <a:lumMod val="35000"/>
+            <a:lumOff val="65000"/>
+          </a:schemeClr>
+        </a:solidFill>
+        <a:round/>
+      </a:ln>
+    </cs:spPr>
+  </cs:leaderLine>
+  <cs:legend>
+    <cs:lnRef idx="0"/>
+    <cs:fillRef idx="0"/>
+    <cs:effectRef idx="0"/>
+    <cs:fontRef idx="minor">
+      <a:schemeClr val="tx1">
+        <a:lumMod val="65000"/>
+        <a:lumOff val="35000"/>
+      </a:schemeClr>
+    </cs:fontRef>
+    <cs:defRPr sz="900" kern="1200"/>
+  </cs:legend>
+  <cs:plotArea mods="allowNoFillOverride allowNoLineOverride">
+    <cs:lnRef idx="0"/>
+    <cs:fillRef idx="0"/>
+    <cs:effectRef idx="0"/>
+    <cs:fontRef idx="minor">
+      <a:schemeClr val="tx1"/>
+    </cs:fontRef>
+  </cs:plotArea>
+  <cs:plotArea3D mods="allowNoFillOverride allowNoLineOverride">
+    <cs:lnRef idx="0"/>
+    <cs:fillRef idx="0"/>
+    <cs:effectRef idx="0"/>
+    <cs:fontRef idx="minor">
+      <a:schemeClr val="tx1"/>
+    </cs:fontRef>
+  </cs:plotArea3D>
+  <cs:seriesAxis>
+    <cs:lnRef idx="0"/>
+    <cs:fillRef idx="0"/>
+    <cs:effectRef idx="0"/>
+    <cs:fontRef idx="minor">
+      <a:schemeClr val="tx1">
+        <a:lumMod val="65000"/>
+        <a:lumOff val="35000"/>
+      </a:schemeClr>
+    </cs:fontRef>
+    <cs:defRPr sz="900" kern="1200"/>
+  </cs:seriesAxis>
+  <cs:seriesLine>
+    <cs:lnRef idx="0"/>
+    <cs:fillRef idx="0"/>
+    <cs:effectRef idx="0"/>
+    <cs:fontRef idx="minor">
+      <a:schemeClr val="tx1"/>
+    </cs:fontRef>
+    <cs:spPr>
+      <a:ln w="9525" cap="flat" cmpd="sng" algn="ctr">
+        <a:solidFill>
+          <a:schemeClr val="tx1">
+            <a:lumMod val="35000"/>
+            <a:lumOff val="65000"/>
+          </a:schemeClr>
+        </a:solidFill>
+        <a:round/>
+      </a:ln>
+    </cs:spPr>
+  </cs:seriesLine>
+  <cs:title>
+    <cs:lnRef idx="0"/>
+    <cs:fillRef idx="0"/>
+    <cs:effectRef idx="0"/>
+    <cs:fontRef idx="minor">
+      <a:schemeClr val="tx1">
+        <a:lumMod val="65000"/>
+        <a:lumOff val="35000"/>
+      </a:schemeClr>
+    </cs:fontRef>
+    <cs:defRPr sz="1400" b="0" kern="1200" spc="0" baseline="0"/>
+  </cs:title>
+  <cs:trendline>
+    <cs:lnRef idx="0">
+      <cs:styleClr val="auto"/>
+    </cs:lnRef>
+    <cs:fillRef idx="0"/>
+    <cs:effectRef idx="0"/>
+    <cs:fontRef idx="minor">
+      <a:schemeClr val="tx1"/>
+    </cs:fontRef>
+    <cs:spPr>
+      <a:ln w="19050" cap="rnd">
+        <a:solidFill>
+          <a:schemeClr val="phClr"/>
+        </a:solidFill>
+        <a:prstDash val="sysDot"/>
+      </a:ln>
+    </cs:spPr>
+  </cs:trendline>
+  <cs:trendlineLabel>
+    <cs:lnRef idx="0"/>
+    <cs:fillRef idx="0"/>
+    <cs:effectRef idx="0"/>
+    <cs:fontRef idx="minor">
+      <a:schemeClr val="tx1">
+        <a:lumMod val="65000"/>
+        <a:lumOff val="35000"/>
+      </a:schemeClr>
+    </cs:fontRef>
+    <cs:defRPr sz="900" kern="1200"/>
+  </cs:trendlineLabel>
+  <cs:upBar>
+    <cs:lnRef idx="0"/>
+    <cs:fillRef idx="0"/>
+    <cs:effectRef idx="0"/>
+    <cs:fontRef idx="minor">
+      <a:schemeClr val="dk1"/>
+    </cs:fontRef>
+    <cs:spPr>
+      <a:solidFill>
+        <a:schemeClr val="lt1"/>
+      </a:solidFill>
+      <a:ln w="9525">
+        <a:solidFill>
+          <a:schemeClr val="tx1">
+            <a:lumMod val="15000"/>
+            <a:lumOff val="85000"/>
+          </a:schemeClr>
+        </a:solidFill>
+      </a:ln>
+    </cs:spPr>
+  </cs:upBar>
+  <cs:valueAxis>
+    <cs:lnRef idx="0"/>
+    <cs:fillRef idx="0"/>
+    <cs:effectRef idx="0"/>
+    <cs:fontRef idx="minor">
+      <a:schemeClr val="tx1">
+        <a:lumMod val="65000"/>
+        <a:lumOff val="35000"/>
+      </a:schemeClr>
+    </cs:fontRef>
+    <cs:defRPr sz="900" kern="1200"/>
+  </cs:valueAxis>
+  <cs:wall>
+    <cs:lnRef idx="0"/>
+    <cs:fillRef idx="0"/>
+    <cs:effectRef idx="0"/>
+    <cs:fontRef idx="minor">
+      <a:schemeClr val="tx1"/>
+    </cs:fontRef>
+    <cs:spPr>
+      <a:noFill/>
+      <a:ln>
+        <a:noFill/>
+      </a:ln>
+    </cs:spPr>
+  </cs:wall>
+</cs:chartStyle>
+</file>
+
+<file path=ppt/charts/style3.xml><?xml version="1.0" encoding="utf-8"?>
+<cs:chartStyle xmlns:cs="http://schemas.microsoft.com/office/drawing/2012/chartStyle" xmlns:a="http://schemas.openxmlformats.org/drawingml/2006/main" id="201">
+  <cs:axisTitle>
+    <cs:lnRef idx="0"/>
+    <cs:fillRef idx="0"/>
+    <cs:effectRef idx="0"/>
+    <cs:fontRef idx="minor">
+      <a:schemeClr val="tx1">
+        <a:lumMod val="65000"/>
+        <a:lumOff val="35000"/>
+      </a:schemeClr>
+    </cs:fontRef>
+    <cs:defRPr sz="1000" kern="1200"/>
+  </cs:axisTitle>
+  <cs:categoryAxis>
+    <cs:lnRef idx="0"/>
+    <cs:fillRef idx="0"/>
+    <cs:effectRef idx="0"/>
+    <cs:fontRef idx="minor">
+      <a:schemeClr val="tx1">
+        <a:lumMod val="65000"/>
+        <a:lumOff val="35000"/>
+      </a:schemeClr>
+    </cs:fontRef>
+    <cs:spPr>
+      <a:ln w="9525" cap="flat" cmpd="sng" algn="ctr">
+        <a:solidFill>
+          <a:schemeClr val="tx1">
+            <a:lumMod val="15000"/>
+            <a:lumOff val="85000"/>
+          </a:schemeClr>
+        </a:solidFill>
+        <a:round/>
+      </a:ln>
+    </cs:spPr>
+    <cs:defRPr sz="900" kern="1200"/>
+  </cs:categoryAxis>
+  <cs:chartArea mods="allowNoFillOverride allowNoLineOverride">
+    <cs:lnRef idx="0"/>
+    <cs:fillRef idx="0"/>
+    <cs:effectRef idx="0"/>
+    <cs:fontRef idx="minor">
+      <a:schemeClr val="tx1"/>
+    </cs:fontRef>
+    <cs:spPr>
+      <a:solidFill>
+        <a:schemeClr val="bg1"/>
+      </a:solidFill>
+      <a:ln w="9525" cap="flat" cmpd="sng" algn="ctr">
+        <a:solidFill>
+          <a:schemeClr val="tx1">
+            <a:lumMod val="15000"/>
+            <a:lumOff val="85000"/>
+          </a:schemeClr>
+        </a:solidFill>
+        <a:round/>
+      </a:ln>
+    </cs:spPr>
+    <cs:defRPr sz="1000" kern="1200"/>
+  </cs:chartArea>
+  <cs:dataLabel>
+    <cs:lnRef idx="0"/>
+    <cs:fillRef idx="0"/>
+    <cs:effectRef idx="0"/>
+    <cs:fontRef idx="minor">
+      <a:schemeClr val="tx1">
+        <a:lumMod val="75000"/>
+        <a:lumOff val="25000"/>
+      </a:schemeClr>
+    </cs:fontRef>
+    <cs:defRPr sz="900" kern="1200"/>
+  </cs:dataLabel>
+  <cs:dataLabelCallout>
+    <cs:lnRef idx="0"/>
+    <cs:fillRef idx="0"/>
+    <cs:effectRef idx="0"/>
+    <cs:fontRef idx="minor">
+      <a:schemeClr val="dk1">
+        <a:lumMod val="65000"/>
+        <a:lumOff val="35000"/>
+      </a:schemeClr>
+    </cs:fontRef>
+    <cs:spPr>
+      <a:solidFill>
+        <a:schemeClr val="lt1"/>
+      </a:solidFill>
+      <a:ln>
+        <a:solidFill>
+          <a:schemeClr val="dk1">
+            <a:lumMod val="25000"/>
+            <a:lumOff val="75000"/>
+          </a:schemeClr>
+        </a:solidFill>
+      </a:ln>
+    </cs:spPr>
+    <cs:defRPr sz="900" kern="1200"/>
+    <cs:bodyPr rot="0" spcFirstLastPara="1" vertOverflow="clip" horzOverflow="clip" vert="horz" wrap="square" lIns="36576" tIns="18288" rIns="36576" bIns="18288" anchor="ctr" anchorCtr="1">
+      <a:spAutoFit/>
+    </cs:bodyPr>
+  </cs:dataLabelCallout>
+  <cs:dataPoint>
+    <cs:lnRef idx="0"/>
+    <cs:fillRef idx="1">
+      <cs:styleClr val="auto"/>
+    </cs:fillRef>
+    <cs:effectRef idx="0"/>
+    <cs:fontRef idx="minor">
+      <a:schemeClr val="tx1"/>
+    </cs:fontRef>
+  </cs:dataPoint>
+  <cs:dataPoint3D>
+    <cs:lnRef idx="0"/>
+    <cs:fillRef idx="1">
+      <cs:styleClr val="auto"/>
+    </cs:fillRef>
+    <cs:effectRef idx="0"/>
+    <cs:fontRef idx="minor">
+      <a:schemeClr val="tx1"/>
+    </cs:fontRef>
+  </cs:dataPoint3D>
+  <cs:dataPointLine>
+    <cs:lnRef idx="0">
+      <cs:styleClr val="auto"/>
+    </cs:lnRef>
+    <cs:fillRef idx="1"/>
+    <cs:effectRef idx="0"/>
+    <cs:fontRef idx="minor">
+      <a:schemeClr val="tx1"/>
+    </cs:fontRef>
+    <cs:spPr>
+      <a:ln w="28575" cap="rnd">
+        <a:solidFill>
+          <a:schemeClr val="phClr"/>
+        </a:solidFill>
+        <a:round/>
+      </a:ln>
+    </cs:spPr>
+  </cs:dataPointLine>
+  <cs:dataPointMarker>
+    <cs:lnRef idx="0">
+      <cs:styleClr val="auto"/>
+    </cs:lnRef>
+    <cs:fillRef idx="1">
+      <cs:styleClr val="auto"/>
+    </cs:fillRef>
+    <cs:effectRef idx="0"/>
+    <cs:fontRef idx="minor">
+      <a:schemeClr val="tx1"/>
+    </cs:fontRef>
+    <cs:spPr>
+      <a:ln w="9525">
+        <a:solidFill>
+          <a:schemeClr val="phClr"/>
+        </a:solidFill>
+      </a:ln>
+    </cs:spPr>
+  </cs:dataPointMarker>
+  <cs:dataPointMarkerLayout symbol="circle" size="5"/>
+  <cs:dataPointWireframe>
+    <cs:lnRef idx="0">
+      <cs:styleClr val="auto"/>
+    </cs:lnRef>
+    <cs:fillRef idx="1"/>
+    <cs:effectRef idx="0"/>
+    <cs:fontRef idx="minor">
+      <a:schemeClr val="tx1"/>
+    </cs:fontRef>
+    <cs:spPr>
+      <a:ln w="9525" cap="rnd">
+        <a:solidFill>
+          <a:schemeClr val="phClr"/>
+        </a:solidFill>
+        <a:round/>
+      </a:ln>
+    </cs:spPr>
+  </cs:dataPointWireframe>
+  <cs:dataTable>
+    <cs:lnRef idx="0"/>
+    <cs:fillRef idx="0"/>
+    <cs:effectRef idx="0"/>
+    <cs:fontRef idx="minor">
+      <a:schemeClr val="tx1">
+        <a:lumMod val="65000"/>
+        <a:lumOff val="35000"/>
+      </a:schemeClr>
+    </cs:fontRef>
+    <cs:spPr>
+      <a:noFill/>
+      <a:ln w="9525" cap="flat" cmpd="sng" algn="ctr">
+        <a:solidFill>
+          <a:schemeClr val="tx1">
+            <a:lumMod val="15000"/>
+            <a:lumOff val="85000"/>
+          </a:schemeClr>
+        </a:solidFill>
+        <a:round/>
+      </a:ln>
+    </cs:spPr>
+    <cs:defRPr sz="900" kern="1200"/>
+  </cs:dataTable>
+  <cs:downBar>
+    <cs:lnRef idx="0"/>
+    <cs:fillRef idx="0"/>
+    <cs:effectRef idx="0"/>
+    <cs:fontRef idx="minor">
+      <a:schemeClr val="dk1"/>
+    </cs:fontRef>
+    <cs:spPr>
+      <a:solidFill>
+        <a:schemeClr val="dk1">
+          <a:lumMod val="65000"/>
+          <a:lumOff val="35000"/>
+        </a:schemeClr>
+      </a:solidFill>
+      <a:ln w="9525">
+        <a:solidFill>
+          <a:schemeClr val="tx1">
+            <a:lumMod val="65000"/>
+            <a:lumOff val="35000"/>
+          </a:schemeClr>
+        </a:solidFill>
+      </a:ln>
+    </cs:spPr>
+  </cs:downBar>
+  <cs:dropLine>
+    <cs:lnRef idx="0"/>
+    <cs:fillRef idx="0"/>
+    <cs:effectRef idx="0"/>
+    <cs:fontRef idx="minor">
+      <a:schemeClr val="tx1"/>
+    </cs:fontRef>
+    <cs:spPr>
+      <a:ln w="9525" cap="flat" cmpd="sng" algn="ctr">
+        <a:solidFill>
+          <a:schemeClr val="tx1">
+            <a:lumMod val="35000"/>
+            <a:lumOff val="65000"/>
+          </a:schemeClr>
+        </a:solidFill>
+        <a:round/>
+      </a:ln>
+    </cs:spPr>
+  </cs:dropLine>
+  <cs:errorBar>
+    <cs:lnRef idx="0"/>
+    <cs:fillRef idx="0"/>
+    <cs:effectRef idx="0"/>
+    <cs:fontRef idx="minor">
+      <a:schemeClr val="tx1"/>
+    </cs:fontRef>
+    <cs:spPr>
+      <a:ln w="9525" cap="flat" cmpd="sng" algn="ctr">
+        <a:solidFill>
+          <a:schemeClr val="tx1">
+            <a:lumMod val="65000"/>
+            <a:lumOff val="35000"/>
+          </a:schemeClr>
+        </a:solidFill>
+        <a:round/>
+      </a:ln>
+    </cs:spPr>
+  </cs:errorBar>
+  <cs:floor>
+    <cs:lnRef idx="0"/>
+    <cs:fillRef idx="0"/>
+    <cs:effectRef idx="0"/>
+    <cs:fontRef idx="minor">
+      <a:schemeClr val="tx1"/>
+    </cs:fontRef>
+    <cs:spPr>
+      <a:noFill/>
+      <a:ln>
+        <a:noFill/>
+      </a:ln>
+    </cs:spPr>
+  </cs:floor>
+  <cs:gridlineMajor>
+    <cs:lnRef idx="0"/>
+    <cs:fillRef idx="0"/>
+    <cs:effectRef idx="0"/>
+    <cs:fontRef idx="minor">
+      <a:schemeClr val="tx1"/>
+    </cs:fontRef>
+    <cs:spPr>
+      <a:ln w="9525" cap="flat" cmpd="sng" algn="ctr">
+        <a:solidFill>
+          <a:schemeClr val="tx1">
+            <a:lumMod val="15000"/>
+            <a:lumOff val="85000"/>
+          </a:schemeClr>
+        </a:solidFill>
+        <a:round/>
+      </a:ln>
+    </cs:spPr>
+  </cs:gridlineMajor>
+  <cs:gridlineMinor>
+    <cs:lnRef idx="0"/>
+    <cs:fillRef idx="0"/>
+    <cs:effectRef idx="0"/>
+    <cs:fontRef idx="minor">
+      <a:schemeClr val="tx1"/>
+    </cs:fontRef>
+    <cs:spPr>
+      <a:ln w="9525" cap="flat" cmpd="sng" algn="ctr">
+        <a:solidFill>
+          <a:schemeClr val="tx1">
+            <a:lumMod val="5000"/>
+            <a:lumOff val="95000"/>
+          </a:schemeClr>
+        </a:solidFill>
+        <a:round/>
+      </a:ln>
+    </cs:spPr>
+  </cs:gridlineMinor>
+  <cs:hiLoLine>
+    <cs:lnRef idx="0"/>
+    <cs:fillRef idx="0"/>
+    <cs:effectRef idx="0"/>
+    <cs:fontRef idx="minor">
+      <a:schemeClr val="tx1"/>
+    </cs:fontRef>
+    <cs:spPr>
+      <a:ln w="9525" cap="flat" cmpd="sng" algn="ctr">
+        <a:solidFill>
+          <a:schemeClr val="tx1">
+            <a:lumMod val="75000"/>
+            <a:lumOff val="25000"/>
+          </a:schemeClr>
+        </a:solidFill>
+        <a:round/>
+      </a:ln>
+    </cs:spPr>
+  </cs:hiLoLine>
+  <cs:leaderLine>
+    <cs:lnRef idx="0"/>
+    <cs:fillRef idx="0"/>
+    <cs:effectRef idx="0"/>
+    <cs:fontRef idx="minor">
+      <a:schemeClr val="tx1"/>
+    </cs:fontRef>
+    <cs:spPr>
+      <a:ln w="9525" cap="flat" cmpd="sng" algn="ctr">
+        <a:solidFill>
+          <a:schemeClr val="tx1">
+            <a:lumMod val="35000"/>
+            <a:lumOff val="65000"/>
+          </a:schemeClr>
+        </a:solidFill>
+        <a:round/>
+      </a:ln>
+    </cs:spPr>
+  </cs:leaderLine>
+  <cs:legend>
+    <cs:lnRef idx="0"/>
+    <cs:fillRef idx="0"/>
+    <cs:effectRef idx="0"/>
+    <cs:fontRef idx="minor">
+      <a:schemeClr val="tx1">
+        <a:lumMod val="65000"/>
+        <a:lumOff val="35000"/>
+      </a:schemeClr>
+    </cs:fontRef>
+    <cs:defRPr sz="900" kern="1200"/>
+  </cs:legend>
+  <cs:plotArea mods="allowNoFillOverride allowNoLineOverride">
+    <cs:lnRef idx="0"/>
+    <cs:fillRef idx="0"/>
+    <cs:effectRef idx="0"/>
+    <cs:fontRef idx="minor">
+      <a:schemeClr val="tx1"/>
+    </cs:fontRef>
+  </cs:plotArea>
+  <cs:plotArea3D mods="allowNoFillOverride allowNoLineOverride">
+    <cs:lnRef idx="0"/>
+    <cs:fillRef idx="0"/>
+    <cs:effectRef idx="0"/>
+    <cs:fontRef idx="minor">
+      <a:schemeClr val="tx1"/>
+    </cs:fontRef>
+  </cs:plotArea3D>
+  <cs:seriesAxis>
+    <cs:lnRef idx="0"/>
+    <cs:fillRef idx="0"/>
+    <cs:effectRef idx="0"/>
+    <cs:fontRef idx="minor">
+      <a:schemeClr val="tx1">
+        <a:lumMod val="65000"/>
+        <a:lumOff val="35000"/>
+      </a:schemeClr>
+    </cs:fontRef>
+    <cs:defRPr sz="900" kern="1200"/>
+  </cs:seriesAxis>
+  <cs:seriesLine>
+    <cs:lnRef idx="0"/>
+    <cs:fillRef idx="0"/>
+    <cs:effectRef idx="0"/>
+    <cs:fontRef idx="minor">
+      <a:schemeClr val="tx1"/>
+    </cs:fontRef>
+    <cs:spPr>
+      <a:ln w="9525" cap="flat" cmpd="sng" algn="ctr">
+        <a:solidFill>
+          <a:schemeClr val="tx1">
+            <a:lumMod val="35000"/>
+            <a:lumOff val="65000"/>
+          </a:schemeClr>
+        </a:solidFill>
+        <a:round/>
+      </a:ln>
+    </cs:spPr>
+  </cs:seriesLine>
+  <cs:title>
+    <cs:lnRef idx="0"/>
+    <cs:fillRef idx="0"/>
+    <cs:effectRef idx="0"/>
+    <cs:fontRef idx="minor">
+      <a:schemeClr val="tx1">
+        <a:lumMod val="65000"/>
+        <a:lumOff val="35000"/>
+      </a:schemeClr>
+    </cs:fontRef>
+    <cs:defRPr sz="1400" b="0" kern="1200" spc="0" baseline="0"/>
+  </cs:title>
+  <cs:trendline>
+    <cs:lnRef idx="0">
+      <cs:styleClr val="auto"/>
+    </cs:lnRef>
+    <cs:fillRef idx="0"/>
+    <cs:effectRef idx="0"/>
+    <cs:fontRef idx="minor">
+      <a:schemeClr val="tx1"/>
+    </cs:fontRef>
+    <cs:spPr>
+      <a:ln w="19050" cap="rnd">
+        <a:solidFill>
+          <a:schemeClr val="phClr"/>
+        </a:solidFill>
+        <a:prstDash val="sysDot"/>
+      </a:ln>
+    </cs:spPr>
+  </cs:trendline>
+  <cs:trendlineLabel>
+    <cs:lnRef idx="0"/>
+    <cs:fillRef idx="0"/>
+    <cs:effectRef idx="0"/>
+    <cs:fontRef idx="minor">
+      <a:schemeClr val="tx1">
+        <a:lumMod val="65000"/>
+        <a:lumOff val="35000"/>
+      </a:schemeClr>
+    </cs:fontRef>
+    <cs:defRPr sz="900" kern="1200"/>
+  </cs:trendlineLabel>
+  <cs:upBar>
+    <cs:lnRef idx="0"/>
+    <cs:fillRef idx="0"/>
+    <cs:effectRef idx="0"/>
+    <cs:fontRef idx="minor">
+      <a:schemeClr val="dk1"/>
+    </cs:fontRef>
+    <cs:spPr>
+      <a:solidFill>
+        <a:schemeClr val="lt1"/>
+      </a:solidFill>
+      <a:ln w="9525">
+        <a:solidFill>
+          <a:schemeClr val="tx1">
+            <a:lumMod val="15000"/>
+            <a:lumOff val="85000"/>
+          </a:schemeClr>
+        </a:solidFill>
+      </a:ln>
+    </cs:spPr>
+  </cs:upBar>
+  <cs:valueAxis>
+    <cs:lnRef idx="0"/>
+    <cs:fillRef idx="0"/>
+    <cs:effectRef idx="0"/>
+    <cs:fontRef idx="minor">
+      <a:schemeClr val="tx1">
+        <a:lumMod val="65000"/>
+        <a:lumOff val="35000"/>
+      </a:schemeClr>
+    </cs:fontRef>
+    <cs:defRPr sz="900" kern="1200"/>
+  </cs:valueAxis>
+  <cs:wall>
+    <cs:lnRef idx="0"/>
+    <cs:fillRef idx="0"/>
+    <cs:effectRef idx="0"/>
+    <cs:fontRef idx="minor">
+      <a:schemeClr val="tx1"/>
+    </cs:fontRef>
+    <cs:spPr>
+      <a:noFill/>
+      <a:ln>
+        <a:noFill/>
+      </a:ln>
+    </cs:spPr>
+  </cs:wall>
+</cs:chartStyle>
+</file>
+
 <file path=ppt/slideLayouts/slideLayout1.xml><?xml version="1.0" encoding="utf-8"?>
 <p:sldLayout xmlns:a="http://schemas.openxmlformats.org/drawingml/2006/main" xmlns:r="http://schemas.openxmlformats.org/officeDocument/2006/relationships" xmlns:p="http://schemas.openxmlformats.org/presentationml/2006/main" type="title" preserve="1">
   <p:cSld name="Title Slide">
@@ -243,7 +3091,7 @@
           <a:p>
             <a:fld id="{AA601CCE-C6BF-41B4-BF85-C445191A0E3E}" type="datetimeFigureOut">
               <a:rPr lang="en-US" smtClean="0"/>
-              <a:t>5/20/2018</a:t>
+              <a:t>5/23/2018</a:t>
             </a:fld>
             <a:endParaRPr lang="en-US"/>
           </a:p>
@@ -413,7 +3261,7 @@
           <a:p>
             <a:fld id="{AA601CCE-C6BF-41B4-BF85-C445191A0E3E}" type="datetimeFigureOut">
               <a:rPr lang="en-US" smtClean="0"/>
-              <a:t>5/20/2018</a:t>
+              <a:t>5/23/2018</a:t>
             </a:fld>
             <a:endParaRPr lang="en-US"/>
           </a:p>
@@ -593,7 +3441,7 @@
           <a:p>
             <a:fld id="{AA601CCE-C6BF-41B4-BF85-C445191A0E3E}" type="datetimeFigureOut">
               <a:rPr lang="en-US" smtClean="0"/>
-              <a:t>5/20/2018</a:t>
+              <a:t>5/23/2018</a:t>
             </a:fld>
             <a:endParaRPr lang="en-US"/>
           </a:p>
@@ -763,7 +3611,7 @@
           <a:p>
             <a:fld id="{AA601CCE-C6BF-41B4-BF85-C445191A0E3E}" type="datetimeFigureOut">
               <a:rPr lang="en-US" smtClean="0"/>
-              <a:t>5/20/2018</a:t>
+              <a:t>5/23/2018</a:t>
             </a:fld>
             <a:endParaRPr lang="en-US"/>
           </a:p>
@@ -1007,7 +3855,7 @@
           <a:p>
             <a:fld id="{AA601CCE-C6BF-41B4-BF85-C445191A0E3E}" type="datetimeFigureOut">
               <a:rPr lang="en-US" smtClean="0"/>
-              <a:t>5/20/2018</a:t>
+              <a:t>5/23/2018</a:t>
             </a:fld>
             <a:endParaRPr lang="en-US"/>
           </a:p>
@@ -1239,7 +4087,7 @@
           <a:p>
             <a:fld id="{AA601CCE-C6BF-41B4-BF85-C445191A0E3E}" type="datetimeFigureOut">
               <a:rPr lang="en-US" smtClean="0"/>
-              <a:t>5/20/2018</a:t>
+              <a:t>5/23/2018</a:t>
             </a:fld>
             <a:endParaRPr lang="en-US"/>
           </a:p>
@@ -1606,7 +4454,7 @@
           <a:p>
             <a:fld id="{AA601CCE-C6BF-41B4-BF85-C445191A0E3E}" type="datetimeFigureOut">
               <a:rPr lang="en-US" smtClean="0"/>
-              <a:t>5/20/2018</a:t>
+              <a:t>5/23/2018</a:t>
             </a:fld>
             <a:endParaRPr lang="en-US"/>
           </a:p>
@@ -1724,7 +4572,7 @@
           <a:p>
             <a:fld id="{AA601CCE-C6BF-41B4-BF85-C445191A0E3E}" type="datetimeFigureOut">
               <a:rPr lang="en-US" smtClean="0"/>
-              <a:t>5/20/2018</a:t>
+              <a:t>5/23/2018</a:t>
             </a:fld>
             <a:endParaRPr lang="en-US"/>
           </a:p>
@@ -1819,7 +4667,7 @@
           <a:p>
             <a:fld id="{AA601CCE-C6BF-41B4-BF85-C445191A0E3E}" type="datetimeFigureOut">
               <a:rPr lang="en-US" smtClean="0"/>
-              <a:t>5/20/2018</a:t>
+              <a:t>5/23/2018</a:t>
             </a:fld>
             <a:endParaRPr lang="en-US"/>
           </a:p>
@@ -2096,7 +4944,7 @@
           <a:p>
             <a:fld id="{AA601CCE-C6BF-41B4-BF85-C445191A0E3E}" type="datetimeFigureOut">
               <a:rPr lang="en-US" smtClean="0"/>
-              <a:t>5/20/2018</a:t>
+              <a:t>5/23/2018</a:t>
             </a:fld>
             <a:endParaRPr lang="en-US"/>
           </a:p>
@@ -2353,7 +5201,7 @@
           <a:p>
             <a:fld id="{AA601CCE-C6BF-41B4-BF85-C445191A0E3E}" type="datetimeFigureOut">
               <a:rPr lang="en-US" smtClean="0"/>
-              <a:t>5/20/2018</a:t>
+              <a:t>5/23/2018</a:t>
             </a:fld>
             <a:endParaRPr lang="en-US"/>
           </a:p>
@@ -2566,7 +5414,7 @@
           <a:p>
             <a:fld id="{AA601CCE-C6BF-41B4-BF85-C445191A0E3E}" type="datetimeFigureOut">
               <a:rPr lang="en-US" smtClean="0"/>
-              <a:t>5/20/2018</a:t>
+              <a:t>5/23/2018</a:t>
             </a:fld>
             <a:endParaRPr lang="en-US"/>
           </a:p>
@@ -3001,7 +5849,7 @@
           <p:nvPr/>
         </p:nvPicPr>
         <p:blipFill>
-          <a:blip r:embed="rId3">
+          <a:blip r:embed="rId3" cstate="print">
             <a:extLst>
               <a:ext uri="{28A0092B-C50C-407E-A947-70E740481C1C}">
                 <a14:useLocalDpi xmlns:a14="http://schemas.microsoft.com/office/drawing/2010/main" val="0"/>
@@ -3179,186 +6027,6 @@
           <a:p>
             <a:pPr algn="just"/>
             <a:endParaRPr lang="en-US" sz="2800" dirty="0">
-              <a:latin typeface="TH Sarabun New" panose="020B0500040200020003" pitchFamily="34" charset="-34"/>
-              <a:cs typeface="TH Sarabun New" panose="020B0500040200020003" pitchFamily="34" charset="-34"/>
-            </a:endParaRPr>
-          </a:p>
-        </p:txBody>
-      </p:sp>
-      <p:sp>
-        <p:nvSpPr>
-          <p:cNvPr id="14" name="TextBox 13">
-            <a:extLst>
-              <a:ext uri="{FF2B5EF4-FFF2-40B4-BE49-F238E27FC236}">
-                <a16:creationId xmlns:a16="http://schemas.microsoft.com/office/drawing/2014/main" id="{B998B7A4-309C-4E43-AEB6-6808FDE73DD5}"/>
-              </a:ext>
-            </a:extLst>
-          </p:cNvPr>
-          <p:cNvSpPr txBox="1"/>
-          <p:nvPr/>
-        </p:nvSpPr>
-        <p:spPr>
-          <a:xfrm>
-            <a:off x="-7899737" y="2735279"/>
-            <a:ext cx="6570951" cy="7478970"/>
-          </a:xfrm>
-          <a:prstGeom prst="rect">
-            <a:avLst/>
-          </a:prstGeom>
-          <a:noFill/>
-        </p:spPr>
-        <p:txBody>
-          <a:bodyPr wrap="square" rtlCol="0">
-            <a:spAutoFit/>
-          </a:bodyPr>
-          <a:lstStyle/>
-          <a:p>
-            <a:r>
-              <a:rPr lang="th-TH" sz="3600" b="1" dirty="0">
-                <a:latin typeface="TH Sarabun New" panose="020B0500040200020003" pitchFamily="34" charset="-34"/>
-                <a:cs typeface="TH Sarabun New" panose="020B0500040200020003" pitchFamily="34" charset="-34"/>
-              </a:rPr>
-              <a:t>ที่มาและความสำคัญ	</a:t>
-            </a:r>
-          </a:p>
-          <a:p>
-            <a:pPr algn="thaiDist"/>
-            <a:r>
-              <a:rPr lang="en-US" sz="2400" dirty="0">
-                <a:latin typeface="TH Sarabun New" panose="020B0500040200020003" pitchFamily="34" charset="-34"/>
-                <a:cs typeface="TH Sarabun New" panose="020B0500040200020003" pitchFamily="34" charset="-34"/>
-              </a:rPr>
-              <a:t>	</a:t>
-            </a:r>
-            <a:r>
-              <a:rPr lang="th-TH" sz="2800" dirty="0">
-                <a:latin typeface="TH Sarabun New" panose="020B0500040200020003" pitchFamily="34" charset="-34"/>
-                <a:cs typeface="TH Sarabun New" panose="020B0500040200020003" pitchFamily="34" charset="-34"/>
-              </a:rPr>
-              <a:t>หน่วยงานต่างๆควรเริ่มจัดเก็บเอกสารในรูปเเบบดิจิทัล เพื่อลดปัญหาข้อมูล สูญหายหรือชำรุด เพื่อเพิ่มความสะดวกในการค้นหา สามารถเรียกดูข้อมูลเเบบออนไลน์ เเละสามารถค้นหาจากคำค้น (</a:t>
-            </a:r>
-            <a:r>
-              <a:rPr lang="en-US" sz="2800" dirty="0">
-                <a:latin typeface="TH Sarabun New" panose="020B0500040200020003" pitchFamily="34" charset="-34"/>
-                <a:cs typeface="TH Sarabun New" panose="020B0500040200020003" pitchFamily="34" charset="-34"/>
-              </a:rPr>
-              <a:t>Keyword) </a:t>
-            </a:r>
-            <a:r>
-              <a:rPr lang="th-TH" sz="2800" dirty="0">
-                <a:latin typeface="TH Sarabun New" panose="020B0500040200020003" pitchFamily="34" charset="-34"/>
-                <a:cs typeface="TH Sarabun New" panose="020B0500040200020003" pitchFamily="34" charset="-34"/>
-              </a:rPr>
-              <a:t>ที่ต้องการได้ </a:t>
-            </a:r>
-          </a:p>
-          <a:p>
-            <a:pPr algn="thaiDist"/>
-            <a:r>
-              <a:rPr lang="en-US" sz="2800" dirty="0">
-                <a:latin typeface="TH Sarabun New" panose="020B0500040200020003" pitchFamily="34" charset="-34"/>
-                <a:cs typeface="TH Sarabun New" panose="020B0500040200020003" pitchFamily="34" charset="-34"/>
-              </a:rPr>
-              <a:t>	</a:t>
-            </a:r>
-            <a:r>
-              <a:rPr lang="th-TH" sz="2800" dirty="0">
-                <a:latin typeface="TH Sarabun New" panose="020B0500040200020003" pitchFamily="34" charset="-34"/>
-                <a:cs typeface="TH Sarabun New" panose="020B0500040200020003" pitchFamily="34" charset="-34"/>
-              </a:rPr>
-              <a:t>ด้วยเหตุผลประการนี้เราจึงพัฒนาแอปพลิเคชันหรือระบบขึ้นมาจัดการเอกสารสำหรับ หน่วยงานต่างๆสามารถที่จะนำรูปภาพของเอกสารที่มาจากการเเสกนเพื่อนำไปจัดเก็บบน ฐานข้อมูลของระบบ</a:t>
-            </a:r>
-          </a:p>
-          <a:p>
-            <a:pPr algn="thaiDist"/>
-            <a:r>
-              <a:rPr lang="en-US" sz="2800" dirty="0">
-                <a:latin typeface="TH Sarabun New" panose="020B0500040200020003" pitchFamily="34" charset="-34"/>
-                <a:cs typeface="TH Sarabun New" panose="020B0500040200020003" pitchFamily="34" charset="-34"/>
-              </a:rPr>
-              <a:t>	</a:t>
-            </a:r>
-            <a:r>
-              <a:rPr lang="th-TH" sz="2800" dirty="0">
-                <a:latin typeface="TH Sarabun New" panose="020B0500040200020003" pitchFamily="34" charset="-34"/>
-                <a:cs typeface="TH Sarabun New" panose="020B0500040200020003" pitchFamily="34" charset="-34"/>
-              </a:rPr>
-              <a:t>เเต่ทว่ารูปเเบบเอกสารที่มีในปัจจุบันนั้นมีหลากหลาย เช่น ใบสั่งซื้อ ใบเเจ้งหนี้ ใบส่งของ เป็นต้น ทำให้ต้องเเบ่งชนิดเวลาจัดเก็บ ดังนั้นเราจึงพัฒนาระบบของเราให้สามารถเเนะนำผู้ใช้ว่าเป็นเอกสารชนิดใดด้วยเทคนิคการจำเเนก(</a:t>
-            </a:r>
-            <a:r>
-              <a:rPr lang="en-US" sz="2800" dirty="0">
-                <a:latin typeface="TH Sarabun New" panose="020B0500040200020003" pitchFamily="34" charset="-34"/>
-                <a:cs typeface="TH Sarabun New" panose="020B0500040200020003" pitchFamily="34" charset="-34"/>
-              </a:rPr>
-              <a:t>Classification)</a:t>
-            </a:r>
-            <a:r>
-              <a:rPr lang="th-TH" sz="2800" dirty="0">
-                <a:latin typeface="TH Sarabun New" panose="020B0500040200020003" pitchFamily="34" charset="-34"/>
-                <a:cs typeface="TH Sarabun New" panose="020B0500040200020003" pitchFamily="34" charset="-34"/>
-              </a:rPr>
-              <a:t> เพื่อเพิ่มความสะดวกให้กับผู้ใช้ นอกจากนี้สามารถสกัดตัวอักษรออกจากรูปภาพ ด้วยเทคโนโลยี </a:t>
-            </a:r>
-            <a:r>
-              <a:rPr lang="en-US" sz="2800" dirty="0">
-                <a:latin typeface="TH Sarabun New" panose="020B0500040200020003" pitchFamily="34" charset="-34"/>
-                <a:cs typeface="TH Sarabun New" panose="020B0500040200020003" pitchFamily="34" charset="-34"/>
-              </a:rPr>
-              <a:t>OCR</a:t>
-            </a:r>
-            <a:r>
-              <a:rPr lang="th-TH" sz="2800" dirty="0">
-                <a:latin typeface="TH Sarabun New" panose="020B0500040200020003" pitchFamily="34" charset="-34"/>
-                <a:cs typeface="TH Sarabun New" panose="020B0500040200020003" pitchFamily="34" charset="-34"/>
-              </a:rPr>
-              <a:t> </a:t>
-            </a:r>
-            <a:r>
-              <a:rPr lang="en-US" sz="2800" dirty="0">
-                <a:latin typeface="TH Sarabun New" panose="020B0500040200020003" pitchFamily="34" charset="-34"/>
-                <a:cs typeface="TH Sarabun New" panose="020B0500040200020003" pitchFamily="34" charset="-34"/>
-              </a:rPr>
-              <a:t>(Optical Character recognition) </a:t>
-            </a:r>
-            <a:r>
-              <a:rPr lang="th-TH" sz="2800" dirty="0">
-                <a:latin typeface="TH Sarabun New" panose="020B0500040200020003" pitchFamily="34" charset="-34"/>
-                <a:cs typeface="TH Sarabun New" panose="020B0500040200020003" pitchFamily="34" charset="-34"/>
-              </a:rPr>
-              <a:t>เพื่อ </a:t>
-            </a:r>
-            <a:r>
-              <a:rPr lang="en-US" sz="2800" dirty="0">
-                <a:latin typeface="TH Sarabun New" panose="020B0500040200020003" pitchFamily="34" charset="-34"/>
-                <a:cs typeface="TH Sarabun New" panose="020B0500040200020003" pitchFamily="34" charset="-34"/>
-              </a:rPr>
-              <a:t>Export</a:t>
-            </a:r>
-            <a:r>
-              <a:rPr lang="th-TH" sz="2800" dirty="0">
-                <a:latin typeface="TH Sarabun New" panose="020B0500040200020003" pitchFamily="34" charset="-34"/>
-                <a:cs typeface="TH Sarabun New" panose="020B0500040200020003" pitchFamily="34" charset="-34"/>
-              </a:rPr>
-              <a:t> เป็นเอกสารรูปเเบบ </a:t>
-            </a:r>
-            <a:r>
-              <a:rPr lang="en-US" sz="2800" dirty="0">
-                <a:latin typeface="TH Sarabun New" panose="020B0500040200020003" pitchFamily="34" charset="-34"/>
-                <a:cs typeface="TH Sarabun New" panose="020B0500040200020003" pitchFamily="34" charset="-34"/>
-              </a:rPr>
-              <a:t>Text</a:t>
-            </a:r>
-            <a:r>
-              <a:rPr lang="th-TH" sz="2800" dirty="0">
-                <a:latin typeface="TH Sarabun New" panose="020B0500040200020003" pitchFamily="34" charset="-34"/>
-                <a:cs typeface="TH Sarabun New" panose="020B0500040200020003" pitchFamily="34" charset="-34"/>
-              </a:rPr>
-              <a:t> เเละเพื่อบอกรายละเอียดต่างๆภายในเอกสารนั้น เช่น วันที่ที่ระบุในเอกสาร หมายเลขของใบสั่งซื้อ เป็นต้น </a:t>
-            </a:r>
-          </a:p>
-          <a:p>
-            <a:pPr algn="thaiDist"/>
-            <a:endParaRPr lang="en-US" sz="2400" dirty="0">
               <a:latin typeface="TH Sarabun New" panose="020B0500040200020003" pitchFamily="34" charset="-34"/>
               <a:cs typeface="TH Sarabun New" panose="020B0500040200020003" pitchFamily="34" charset="-34"/>
             </a:endParaRPr>
@@ -4096,42 +6764,6 @@
           </a:p>
         </p:txBody>
       </p:sp>
-      <p:pic>
-        <p:nvPicPr>
-          <p:cNvPr id="6" name="Picture 5">
-            <a:extLst>
-              <a:ext uri="{FF2B5EF4-FFF2-40B4-BE49-F238E27FC236}">
-                <a16:creationId xmlns:a16="http://schemas.microsoft.com/office/drawing/2014/main" id="{D9B663F7-03A8-4F5E-953C-19C36B5EA03F}"/>
-              </a:ext>
-            </a:extLst>
-          </p:cNvPr>
-          <p:cNvPicPr>
-            <a:picLocks noChangeAspect="1"/>
-          </p:cNvPicPr>
-          <p:nvPr/>
-        </p:nvPicPr>
-        <p:blipFill>
-          <a:blip r:embed="rId5">
-            <a:extLst>
-              <a:ext uri="{28A0092B-C50C-407E-A947-70E740481C1C}">
-                <a14:useLocalDpi xmlns:a14="http://schemas.microsoft.com/office/drawing/2010/main" val="0"/>
-              </a:ext>
-            </a:extLst>
-          </a:blip>
-          <a:stretch>
-            <a:fillRect/>
-          </a:stretch>
-        </p:blipFill>
-        <p:spPr>
-          <a:xfrm>
-            <a:off x="8640697" y="13688765"/>
-            <a:ext cx="5130463" cy="3069691"/>
-          </a:xfrm>
-          <a:prstGeom prst="rect">
-            <a:avLst/>
-          </a:prstGeom>
-        </p:spPr>
-      </p:pic>
       <p:sp>
         <p:nvSpPr>
           <p:cNvPr id="18" name="TextBox 17">
@@ -4146,7 +6778,7 @@
         </p:nvSpPr>
         <p:spPr>
           <a:xfrm>
-            <a:off x="7690737" y="9729420"/>
+            <a:off x="7690737" y="6806712"/>
             <a:ext cx="7330853" cy="3847207"/>
           </a:xfrm>
           <a:prstGeom prst="rect">
@@ -4554,7 +7186,7 @@
         </p:nvSpPr>
         <p:spPr>
           <a:xfrm>
-            <a:off x="7540501" y="16971299"/>
+            <a:off x="7465384" y="17717458"/>
             <a:ext cx="7481089" cy="892552"/>
           </a:xfrm>
           <a:prstGeom prst="rect">
@@ -4594,7 +7226,7 @@
                 <a:latin typeface="TH Sarabun New" panose="020B0500040200020003" pitchFamily="34" charset="-34"/>
                 <a:cs typeface="TH Sarabun New" panose="020B0500040200020003" pitchFamily="34" charset="-34"/>
               </a:rPr>
-              <a:t> เพราะว่ามีความเร็วใรการ</a:t>
+              <a:t> เพราะว่ามีความเร็วในการ</a:t>
             </a:r>
             <a:r>
               <a:rPr lang="en-US" sz="2400" dirty="0">
@@ -4622,7 +7254,7 @@
                 <a:latin typeface="TH Sarabun New" panose="020B0500040200020003" pitchFamily="34" charset="-34"/>
                 <a:cs typeface="TH Sarabun New" panose="020B0500040200020003" pitchFamily="34" charset="-34"/>
               </a:rPr>
-              <a:t>และความแม่นยำไม่ได้น้อยกว่า </a:t>
+              <a:t>และความแม่นยำน้อยกว่า </a:t>
             </a:r>
             <a:r>
               <a:rPr lang="en-US" sz="2400" dirty="0">
@@ -4636,7 +7268,7 @@
                 <a:latin typeface="TH Sarabun New" panose="020B0500040200020003" pitchFamily="34" charset="-34"/>
                 <a:cs typeface="TH Sarabun New" panose="020B0500040200020003" pitchFamily="34" charset="-34"/>
               </a:rPr>
-              <a:t>มาก ตามระยะเวลาเฉลี่ยในการรัน </a:t>
+              <a:t>ไม่มาก ตามระยะเวลาเฉลี่ยในการรัน </a:t>
             </a:r>
             <a:r>
               <a:rPr lang="en-US" sz="2400" dirty="0">
@@ -4671,7 +7303,7 @@
           <p:nvPr/>
         </p:nvPicPr>
         <p:blipFill>
-          <a:blip r:embed="rId6">
+          <a:blip r:embed="rId5">
             <a:extLst>
               <a:ext uri="{28A0092B-C50C-407E-A947-70E740481C1C}">
                 <a14:useLocalDpi xmlns:a14="http://schemas.microsoft.com/office/drawing/2010/main" val="0"/>
@@ -4707,7 +7339,7 @@
           <p:nvPr/>
         </p:nvPicPr>
         <p:blipFill>
-          <a:blip r:embed="rId7">
+          <a:blip r:embed="rId6">
             <a:extLst>
               <a:ext uri="{28A0092B-C50C-407E-A947-70E740481C1C}">
                 <a14:useLocalDpi xmlns:a14="http://schemas.microsoft.com/office/drawing/2010/main" val="0"/>
@@ -4743,7 +7375,7 @@
           <p:nvPr/>
         </p:nvPicPr>
         <p:blipFill>
-          <a:blip r:embed="rId8">
+          <a:blip r:embed="rId7">
             <a:extLst>
               <a:ext uri="{28A0092B-C50C-407E-A947-70E740481C1C}">
                 <a14:useLocalDpi xmlns:a14="http://schemas.microsoft.com/office/drawing/2010/main" val="0"/>
@@ -4756,50 +7388,104 @@
         </p:blipFill>
         <p:spPr>
           <a:xfrm>
-            <a:off x="8544361" y="18147536"/>
-            <a:ext cx="5323135" cy="2777287"/>
+            <a:off x="8797304" y="18753245"/>
+            <a:ext cx="4580720" cy="2389940"/>
           </a:xfrm>
           <a:prstGeom prst="rect">
             <a:avLst/>
           </a:prstGeom>
         </p:spPr>
       </p:pic>
-      <p:pic>
-        <p:nvPicPr>
-          <p:cNvPr id="12" name="Picture 11">
+      <p:graphicFrame>
+        <p:nvGraphicFramePr>
+          <p:cNvPr id="23" name="Chart 22">
             <a:extLst>
               <a:ext uri="{FF2B5EF4-FFF2-40B4-BE49-F238E27FC236}">
-                <a16:creationId xmlns:a16="http://schemas.microsoft.com/office/drawing/2014/main" id="{FCBDC38F-56E5-4A29-846C-8944ADEB74A6}"/>
+                <a16:creationId xmlns:a16="http://schemas.microsoft.com/office/drawing/2014/main" id="{997385E3-D4D0-4C0F-92D4-D7F2FC98385D}"/>
               </a:ext>
             </a:extLst>
           </p:cNvPr>
-          <p:cNvPicPr>
-            <a:picLocks noChangeAspect="1"/>
-          </p:cNvPicPr>
-          <p:nvPr/>
-        </p:nvPicPr>
-        <p:blipFill>
-          <a:blip r:embed="rId9">
+          <p:cNvGraphicFramePr>
+            <a:graphicFrameLocks/>
+          </p:cNvGraphicFramePr>
+          <p:nvPr>
+            <p:extLst>
+              <p:ext uri="{D42A27DB-BD31-4B8C-83A1-F6EECF244321}">
+                <p14:modId xmlns:p14="http://schemas.microsoft.com/office/powerpoint/2010/main" val="1170341860"/>
+              </p:ext>
+            </p:extLst>
+          </p:nvPr>
+        </p:nvGraphicFramePr>
+        <p:xfrm>
+          <a:off x="11111638" y="10800902"/>
+          <a:ext cx="3839759" cy="2727458"/>
+        </p:xfrm>
+        <a:graphic>
+          <a:graphicData uri="http://schemas.openxmlformats.org/drawingml/2006/chart">
+            <c:chart xmlns:c="http://schemas.openxmlformats.org/drawingml/2006/chart" xmlns:r="http://schemas.openxmlformats.org/officeDocument/2006/relationships" r:id="rId8"/>
+          </a:graphicData>
+        </a:graphic>
+      </p:graphicFrame>
+      <p:graphicFrame>
+        <p:nvGraphicFramePr>
+          <p:cNvPr id="24" name="Chart 23">
             <a:extLst>
-              <a:ext uri="{28A0092B-C50C-407E-A947-70E740481C1C}">
-                <a14:useLocalDpi xmlns:a14="http://schemas.microsoft.com/office/drawing/2010/main" val="0"/>
+              <a:ext uri="{FF2B5EF4-FFF2-40B4-BE49-F238E27FC236}">
+                <a16:creationId xmlns:a16="http://schemas.microsoft.com/office/drawing/2014/main" id="{B617920A-80C3-467E-86A8-7B221694E392}"/>
               </a:ext>
             </a:extLst>
-          </a:blip>
-          <a:stretch>
-            <a:fillRect/>
-          </a:stretch>
-        </p:blipFill>
-        <p:spPr>
-          <a:xfrm>
-            <a:off x="8893701" y="6664898"/>
-            <a:ext cx="4624456" cy="2883872"/>
-          </a:xfrm>
-          <a:prstGeom prst="rect">
-            <a:avLst/>
-          </a:prstGeom>
-        </p:spPr>
-      </p:pic>
+          </p:cNvPr>
+          <p:cNvGraphicFramePr>
+            <a:graphicFrameLocks/>
+          </p:cNvGraphicFramePr>
+          <p:nvPr>
+            <p:extLst>
+              <p:ext uri="{D42A27DB-BD31-4B8C-83A1-F6EECF244321}">
+                <p14:modId xmlns:p14="http://schemas.microsoft.com/office/powerpoint/2010/main" val="1489794718"/>
+              </p:ext>
+            </p:extLst>
+          </p:nvPr>
+        </p:nvGraphicFramePr>
+        <p:xfrm>
+          <a:off x="7200234" y="10781307"/>
+          <a:ext cx="3734466" cy="2712281"/>
+        </p:xfrm>
+        <a:graphic>
+          <a:graphicData uri="http://schemas.openxmlformats.org/drawingml/2006/chart">
+            <c:chart xmlns:c="http://schemas.openxmlformats.org/drawingml/2006/chart" xmlns:r="http://schemas.openxmlformats.org/officeDocument/2006/relationships" r:id="rId9"/>
+          </a:graphicData>
+        </a:graphic>
+      </p:graphicFrame>
+      <p:graphicFrame>
+        <p:nvGraphicFramePr>
+          <p:cNvPr id="25" name="Chart 24">
+            <a:extLst>
+              <a:ext uri="{FF2B5EF4-FFF2-40B4-BE49-F238E27FC236}">
+                <a16:creationId xmlns:a16="http://schemas.microsoft.com/office/drawing/2014/main" id="{46382012-E495-476B-B033-F8EEAC324678}"/>
+              </a:ext>
+            </a:extLst>
+          </p:cNvPr>
+          <p:cNvGraphicFramePr>
+            <a:graphicFrameLocks/>
+          </p:cNvGraphicFramePr>
+          <p:nvPr>
+            <p:extLst>
+              <p:ext uri="{D42A27DB-BD31-4B8C-83A1-F6EECF244321}">
+                <p14:modId xmlns:p14="http://schemas.microsoft.com/office/powerpoint/2010/main" val="1243288496"/>
+              </p:ext>
+            </p:extLst>
+          </p:nvPr>
+        </p:nvGraphicFramePr>
+        <p:xfrm>
+          <a:off x="7875572" y="13876596"/>
+          <a:ext cx="6424183" cy="3632750"/>
+        </p:xfrm>
+        <a:graphic>
+          <a:graphicData uri="http://schemas.openxmlformats.org/drawingml/2006/chart">
+            <c:chart xmlns:c="http://schemas.openxmlformats.org/drawingml/2006/chart" xmlns:r="http://schemas.openxmlformats.org/officeDocument/2006/relationships" r:id="rId10"/>
+          </a:graphicData>
+        </a:graphic>
+      </p:graphicFrame>
     </p:spTree>
     <p:extLst>
       <p:ext uri="{BB962C8B-B14F-4D97-AF65-F5344CB8AC3E}">
